--- a/StudyProgress/MyProject/ProjectArchitecture/my_project_architecture.pptx
+++ b/StudyProgress/MyProject/ProjectArchitecture/my_project_architecture.pptx
@@ -196,7 +196,8 @@
           <a:p>
             <a:fld id="{5EE492C8-9E73-4B7E-81B8-B7E4BAB8C869}" type="datetimeFigureOut">
               <a:rPr lang="zh-CN" altLang="en-US" smtClean="0"/>
-              <a:t>2018/11/12 Monday</a:t>
+              <a:pPr/>
+              <a:t>2019/1/10</a:t>
             </a:fld>
             <a:endParaRPr lang="zh-CN" altLang="en-US"/>
           </a:p>
@@ -355,6 +356,7 @@
           <a:p>
             <a:fld id="{43587132-5354-4F68-996E-D6A8522E160B}" type="slidenum">
               <a:rPr lang="zh-CN" altLang="en-US" smtClean="0"/>
+              <a:pPr/>
               <a:t>‹#›</a:t>
             </a:fld>
             <a:endParaRPr lang="zh-CN" altLang="en-US"/>
@@ -364,7 +366,7 @@
     </p:spTree>
     <p:extLst>
       <p:ext uri="{BB962C8B-B14F-4D97-AF65-F5344CB8AC3E}">
-        <p14:creationId xmlns:p14="http://schemas.microsoft.com/office/powerpoint/2010/main" val="1803258115"/>
+        <p14:creationId xmlns:p14="http://schemas.microsoft.com/office/powerpoint/2010/main" xmlns="" val="1803258115"/>
       </p:ext>
     </p:extLst>
   </p:cSld>
@@ -533,6 +535,7 @@
           <a:p>
             <a:fld id="{43587132-5354-4F68-996E-D6A8522E160B}" type="slidenum">
               <a:rPr lang="zh-CN" altLang="en-US" smtClean="0"/>
+              <a:pPr/>
               <a:t>2</a:t>
             </a:fld>
             <a:endParaRPr lang="zh-CN" altLang="en-US"/>
@@ -542,7 +545,7 @@
     </p:spTree>
     <p:extLst>
       <p:ext uri="{BB962C8B-B14F-4D97-AF65-F5344CB8AC3E}">
-        <p14:creationId xmlns:p14="http://schemas.microsoft.com/office/powerpoint/2010/main" val="4231234983"/>
+        <p14:creationId xmlns:p14="http://schemas.microsoft.com/office/powerpoint/2010/main" xmlns="" val="4231234983"/>
       </p:ext>
     </p:extLst>
   </p:cSld>
@@ -621,6 +624,7 @@
           <a:p>
             <a:fld id="{43587132-5354-4F68-996E-D6A8522E160B}" type="slidenum">
               <a:rPr lang="zh-CN" altLang="en-US" smtClean="0"/>
+              <a:pPr/>
               <a:t>5</a:t>
             </a:fld>
             <a:endParaRPr lang="zh-CN" altLang="en-US"/>
@@ -630,7 +634,7 @@
     </p:spTree>
     <p:extLst>
       <p:ext uri="{BB962C8B-B14F-4D97-AF65-F5344CB8AC3E}">
-        <p14:creationId xmlns:p14="http://schemas.microsoft.com/office/powerpoint/2010/main" val="4231234983"/>
+        <p14:creationId xmlns:p14="http://schemas.microsoft.com/office/powerpoint/2010/main" xmlns="" val="4231234983"/>
       </p:ext>
     </p:extLst>
   </p:cSld>
@@ -821,7 +825,8 @@
           <a:p>
             <a:fld id="{530820CF-B880-4189-942D-D702A7CBA730}" type="datetimeFigureOut">
               <a:rPr lang="zh-CN" altLang="en-US" smtClean="0"/>
-              <a:t>2018/11/12 Monday</a:t>
+              <a:pPr/>
+              <a:t>2019/1/10</a:t>
             </a:fld>
             <a:endParaRPr lang="zh-CN" altLang="en-US"/>
           </a:p>
@@ -863,6 +868,7 @@
           <a:p>
             <a:fld id="{0C913308-F349-4B6D-A68A-DD1791B4A57B}" type="slidenum">
               <a:rPr lang="zh-CN" altLang="en-US" smtClean="0"/>
+              <a:pPr/>
               <a:t>‹#›</a:t>
             </a:fld>
             <a:endParaRPr lang="zh-CN" altLang="en-US"/>
@@ -986,7 +992,8 @@
           <a:p>
             <a:fld id="{530820CF-B880-4189-942D-D702A7CBA730}" type="datetimeFigureOut">
               <a:rPr lang="zh-CN" altLang="en-US" smtClean="0"/>
-              <a:t>2018/11/12 Monday</a:t>
+              <a:pPr/>
+              <a:t>2019/1/10</a:t>
             </a:fld>
             <a:endParaRPr lang="zh-CN" altLang="en-US"/>
           </a:p>
@@ -1028,6 +1035,7 @@
           <a:p>
             <a:fld id="{0C913308-F349-4B6D-A68A-DD1791B4A57B}" type="slidenum">
               <a:rPr lang="zh-CN" altLang="en-US" smtClean="0"/>
+              <a:pPr/>
               <a:t>‹#›</a:t>
             </a:fld>
             <a:endParaRPr lang="zh-CN" altLang="en-US"/>
@@ -1161,7 +1169,8 @@
           <a:p>
             <a:fld id="{530820CF-B880-4189-942D-D702A7CBA730}" type="datetimeFigureOut">
               <a:rPr lang="zh-CN" altLang="en-US" smtClean="0"/>
-              <a:t>2018/11/12 Monday</a:t>
+              <a:pPr/>
+              <a:t>2019/1/10</a:t>
             </a:fld>
             <a:endParaRPr lang="zh-CN" altLang="en-US"/>
           </a:p>
@@ -1203,6 +1212,7 @@
           <a:p>
             <a:fld id="{0C913308-F349-4B6D-A68A-DD1791B4A57B}" type="slidenum">
               <a:rPr lang="zh-CN" altLang="en-US" smtClean="0"/>
+              <a:pPr/>
               <a:t>‹#›</a:t>
             </a:fld>
             <a:endParaRPr lang="zh-CN" altLang="en-US"/>
@@ -1326,7 +1336,8 @@
           <a:p>
             <a:fld id="{530820CF-B880-4189-942D-D702A7CBA730}" type="datetimeFigureOut">
               <a:rPr lang="zh-CN" altLang="en-US" smtClean="0"/>
-              <a:t>2018/11/12 Monday</a:t>
+              <a:pPr/>
+              <a:t>2019/1/10</a:t>
             </a:fld>
             <a:endParaRPr lang="zh-CN" altLang="en-US"/>
           </a:p>
@@ -1368,6 +1379,7 @@
           <a:p>
             <a:fld id="{0C913308-F349-4B6D-A68A-DD1791B4A57B}" type="slidenum">
               <a:rPr lang="zh-CN" altLang="en-US" smtClean="0"/>
+              <a:pPr/>
               <a:t>‹#›</a:t>
             </a:fld>
             <a:endParaRPr lang="zh-CN" altLang="en-US"/>
@@ -1567,7 +1579,8 @@
           <a:p>
             <a:fld id="{530820CF-B880-4189-942D-D702A7CBA730}" type="datetimeFigureOut">
               <a:rPr lang="zh-CN" altLang="en-US" smtClean="0"/>
-              <a:t>2018/11/12 Monday</a:t>
+              <a:pPr/>
+              <a:t>2019/1/10</a:t>
             </a:fld>
             <a:endParaRPr lang="zh-CN" altLang="en-US"/>
           </a:p>
@@ -1609,6 +1622,7 @@
           <a:p>
             <a:fld id="{0C913308-F349-4B6D-A68A-DD1791B4A57B}" type="slidenum">
               <a:rPr lang="zh-CN" altLang="en-US" smtClean="0"/>
+              <a:pPr/>
               <a:t>‹#›</a:t>
             </a:fld>
             <a:endParaRPr lang="zh-CN" altLang="en-US"/>
@@ -1850,7 +1864,8 @@
           <a:p>
             <a:fld id="{530820CF-B880-4189-942D-D702A7CBA730}" type="datetimeFigureOut">
               <a:rPr lang="zh-CN" altLang="en-US" smtClean="0"/>
-              <a:t>2018/11/12 Monday</a:t>
+              <a:pPr/>
+              <a:t>2019/1/10</a:t>
             </a:fld>
             <a:endParaRPr lang="zh-CN" altLang="en-US"/>
           </a:p>
@@ -1892,6 +1907,7 @@
           <a:p>
             <a:fld id="{0C913308-F349-4B6D-A68A-DD1791B4A57B}" type="slidenum">
               <a:rPr lang="zh-CN" altLang="en-US" smtClean="0"/>
+              <a:pPr/>
               <a:t>‹#›</a:t>
             </a:fld>
             <a:endParaRPr lang="zh-CN" altLang="en-US"/>
@@ -2267,7 +2283,8 @@
           <a:p>
             <a:fld id="{530820CF-B880-4189-942D-D702A7CBA730}" type="datetimeFigureOut">
               <a:rPr lang="zh-CN" altLang="en-US" smtClean="0"/>
-              <a:t>2018/11/12 Monday</a:t>
+              <a:pPr/>
+              <a:t>2019/1/10</a:t>
             </a:fld>
             <a:endParaRPr lang="zh-CN" altLang="en-US"/>
           </a:p>
@@ -2309,6 +2326,7 @@
           <a:p>
             <a:fld id="{0C913308-F349-4B6D-A68A-DD1791B4A57B}" type="slidenum">
               <a:rPr lang="zh-CN" altLang="en-US" smtClean="0"/>
+              <a:pPr/>
               <a:t>‹#›</a:t>
             </a:fld>
             <a:endParaRPr lang="zh-CN" altLang="en-US"/>
@@ -2380,7 +2398,8 @@
           <a:p>
             <a:fld id="{530820CF-B880-4189-942D-D702A7CBA730}" type="datetimeFigureOut">
               <a:rPr lang="zh-CN" altLang="en-US" smtClean="0"/>
-              <a:t>2018/11/12 Monday</a:t>
+              <a:pPr/>
+              <a:t>2019/1/10</a:t>
             </a:fld>
             <a:endParaRPr lang="zh-CN" altLang="en-US"/>
           </a:p>
@@ -2422,6 +2441,7 @@
           <a:p>
             <a:fld id="{0C913308-F349-4B6D-A68A-DD1791B4A57B}" type="slidenum">
               <a:rPr lang="zh-CN" altLang="en-US" smtClean="0"/>
+              <a:pPr/>
               <a:t>‹#›</a:t>
             </a:fld>
             <a:endParaRPr lang="zh-CN" altLang="en-US"/>
@@ -2470,7 +2490,8 @@
           <a:p>
             <a:fld id="{530820CF-B880-4189-942D-D702A7CBA730}" type="datetimeFigureOut">
               <a:rPr lang="zh-CN" altLang="en-US" smtClean="0"/>
-              <a:t>2018/11/12 Monday</a:t>
+              <a:pPr/>
+              <a:t>2019/1/10</a:t>
             </a:fld>
             <a:endParaRPr lang="zh-CN" altLang="en-US"/>
           </a:p>
@@ -2512,6 +2533,7 @@
           <a:p>
             <a:fld id="{0C913308-F349-4B6D-A68A-DD1791B4A57B}" type="slidenum">
               <a:rPr lang="zh-CN" altLang="en-US" smtClean="0"/>
+              <a:pPr/>
               <a:t>‹#›</a:t>
             </a:fld>
             <a:endParaRPr lang="zh-CN" altLang="en-US"/>
@@ -2742,7 +2764,8 @@
           <a:p>
             <a:fld id="{530820CF-B880-4189-942D-D702A7CBA730}" type="datetimeFigureOut">
               <a:rPr lang="zh-CN" altLang="en-US" smtClean="0"/>
-              <a:t>2018/11/12 Monday</a:t>
+              <a:pPr/>
+              <a:t>2019/1/10</a:t>
             </a:fld>
             <a:endParaRPr lang="zh-CN" altLang="en-US"/>
           </a:p>
@@ -2784,6 +2807,7 @@
           <a:p>
             <a:fld id="{0C913308-F349-4B6D-A68A-DD1791B4A57B}" type="slidenum">
               <a:rPr lang="zh-CN" altLang="en-US" smtClean="0"/>
+              <a:pPr/>
               <a:t>‹#›</a:t>
             </a:fld>
             <a:endParaRPr lang="zh-CN" altLang="en-US"/>
@@ -2990,7 +3014,8 @@
           <a:p>
             <a:fld id="{530820CF-B880-4189-942D-D702A7CBA730}" type="datetimeFigureOut">
               <a:rPr lang="zh-CN" altLang="en-US" smtClean="0"/>
-              <a:t>2018/11/12 Monday</a:t>
+              <a:pPr/>
+              <a:t>2019/1/10</a:t>
             </a:fld>
             <a:endParaRPr lang="zh-CN" altLang="en-US"/>
           </a:p>
@@ -3032,6 +3057,7 @@
           <a:p>
             <a:fld id="{0C913308-F349-4B6D-A68A-DD1791B4A57B}" type="slidenum">
               <a:rPr lang="zh-CN" altLang="en-US" smtClean="0"/>
+              <a:pPr/>
               <a:t>‹#›</a:t>
             </a:fld>
             <a:endParaRPr lang="zh-CN" altLang="en-US"/>
@@ -3198,7 +3224,8 @@
           <a:p>
             <a:fld id="{530820CF-B880-4189-942D-D702A7CBA730}" type="datetimeFigureOut">
               <a:rPr lang="zh-CN" altLang="en-US" smtClean="0"/>
-              <a:t>2018/11/12 Monday</a:t>
+              <a:pPr/>
+              <a:t>2019/1/10</a:t>
             </a:fld>
             <a:endParaRPr lang="zh-CN" altLang="en-US"/>
           </a:p>
@@ -3276,6 +3303,7 @@
           <a:p>
             <a:fld id="{0C913308-F349-4B6D-A68A-DD1791B4A57B}" type="slidenum">
               <a:rPr lang="zh-CN" altLang="en-US" smtClean="0"/>
+              <a:pPr/>
               <a:t>‹#›</a:t>
             </a:fld>
             <a:endParaRPr lang="zh-CN" altLang="en-US"/>
@@ -3613,7 +3641,7 @@
     </p:spTree>
     <p:extLst>
       <p:ext uri="{BB962C8B-B14F-4D97-AF65-F5344CB8AC3E}">
-        <p14:creationId xmlns:p14="http://schemas.microsoft.com/office/powerpoint/2010/main" val="1013166751"/>
+        <p14:creationId xmlns:p14="http://schemas.microsoft.com/office/powerpoint/2010/main" xmlns="" val="1013166751"/>
       </p:ext>
     </p:extLst>
   </p:cSld>
@@ -3648,7 +3676,7 @@
         </p:nvSpPr>
         <p:spPr>
           <a:xfrm>
-            <a:off x="539552" y="4797152"/>
+            <a:off x="539552" y="5229200"/>
             <a:ext cx="2016224" cy="504056"/>
           </a:xfrm>
           <a:prstGeom prst="roundRect">
@@ -3692,7 +3720,7 @@
         </p:nvSpPr>
         <p:spPr>
           <a:xfrm>
-            <a:off x="539552" y="4293096"/>
+            <a:off x="539552" y="4797152"/>
             <a:ext cx="2016224" cy="504056"/>
           </a:xfrm>
           <a:prstGeom prst="roundRect">
@@ -3777,7 +3805,11 @@
             <a:pPr algn="ctr"/>
             <a:r>
               <a:rPr lang="en-US" altLang="zh-CN" dirty="0" err="1" smtClean="0"/>
-              <a:t>ApplicationLayer</a:t>
+              <a:t>Control</a:t>
+            </a:r>
+            <a:r>
+              <a:rPr lang="en-US" altLang="zh-CN" dirty="0" err="1" smtClean="0"/>
+              <a:t>Layer</a:t>
             </a:r>
             <a:endParaRPr lang="en-US" altLang="zh-CN" dirty="0" smtClean="0"/>
           </a:p>
@@ -3821,7 +3853,7 @@
             <a:pPr algn="ctr"/>
             <a:r>
               <a:rPr lang="en-US" altLang="zh-CN" dirty="0" err="1" smtClean="0"/>
-              <a:t>InteractionLayer</a:t>
+              <a:t>ViewLayer</a:t>
             </a:r>
             <a:endParaRPr lang="en-US" altLang="zh-CN" dirty="0" smtClean="0"/>
           </a:p>
@@ -4080,7 +4112,7 @@
         </p:nvSpPr>
         <p:spPr>
           <a:xfrm>
-            <a:off x="881742" y="5661248"/>
+            <a:off x="3635896" y="5661248"/>
             <a:ext cx="2088232" cy="369332"/>
           </a:xfrm>
           <a:prstGeom prst="rect">
@@ -4111,10 +4143,54 @@
           </a:p>
         </p:txBody>
       </p:sp>
+      <p:sp>
+        <p:nvSpPr>
+          <p:cNvPr id="13" name="圆角矩形 12"/>
+          <p:cNvSpPr/>
+          <p:nvPr/>
+        </p:nvSpPr>
+        <p:spPr>
+          <a:xfrm>
+            <a:off x="539552" y="4293096"/>
+            <a:ext cx="2016224" cy="504056"/>
+          </a:xfrm>
+          <a:prstGeom prst="roundRect">
+            <a:avLst/>
+          </a:prstGeom>
+        </p:spPr>
+        <p:style>
+          <a:lnRef idx="2">
+            <a:schemeClr val="accent1">
+              <a:shade val="50000"/>
+            </a:schemeClr>
+          </a:lnRef>
+          <a:fillRef idx="1">
+            <a:schemeClr val="accent1"/>
+          </a:fillRef>
+          <a:effectRef idx="0">
+            <a:schemeClr val="accent1"/>
+          </a:effectRef>
+          <a:fontRef idx="minor">
+            <a:schemeClr val="lt1"/>
+          </a:fontRef>
+        </p:style>
+        <p:txBody>
+          <a:bodyPr rtlCol="0" anchor="ctr"/>
+          <a:lstStyle/>
+          <a:p>
+            <a:pPr algn="ctr"/>
+            <a:r>
+              <a:rPr lang="en-US" altLang="zh-CN" dirty="0" err="1" smtClean="0"/>
+              <a:t>ModelLayer</a:t>
+            </a:r>
+            <a:endParaRPr lang="en-US" altLang="zh-CN" dirty="0" smtClean="0"/>
+          </a:p>
+        </p:txBody>
+      </p:sp>
     </p:spTree>
     <p:extLst>
       <p:ext uri="{BB962C8B-B14F-4D97-AF65-F5344CB8AC3E}">
-        <p14:creationId xmlns:p14="http://schemas.microsoft.com/office/powerpoint/2010/main" val="469695826"/>
+        <p14:creationId xmlns:p14="http://schemas.microsoft.com/office/powerpoint/2010/main" xmlns="" val="469695826"/>
       </p:ext>
     </p:extLst>
   </p:cSld>
@@ -4839,7 +4915,7 @@
     </p:spTree>
     <p:extLst>
       <p:ext uri="{BB962C8B-B14F-4D97-AF65-F5344CB8AC3E}">
-        <p14:creationId xmlns:p14="http://schemas.microsoft.com/office/powerpoint/2010/main" val="748711177"/>
+        <p14:creationId xmlns:p14="http://schemas.microsoft.com/office/powerpoint/2010/main" xmlns="" val="748711177"/>
       </p:ext>
     </p:extLst>
   </p:cSld>
@@ -5698,7 +5774,7 @@
     </p:spTree>
     <p:extLst>
       <p:ext uri="{BB962C8B-B14F-4D97-AF65-F5344CB8AC3E}">
-        <p14:creationId xmlns:p14="http://schemas.microsoft.com/office/powerpoint/2010/main" val="1050729204"/>
+        <p14:creationId xmlns:p14="http://schemas.microsoft.com/office/powerpoint/2010/main" xmlns="" val="1050729204"/>
       </p:ext>
     </p:extLst>
   </p:cSld>
@@ -5809,7 +5885,6 @@
               <a:rPr lang="en-US" altLang="zh-CN" dirty="0" smtClean="0"/>
               <a:t>CCS Simulator</a:t>
             </a:r>
-            <a:endParaRPr lang="en-US" altLang="zh-CN" dirty="0" smtClean="0"/>
           </a:p>
         </p:txBody>
       </p:sp>
@@ -6065,7 +6140,6 @@
               <a:rPr lang="en-US" altLang="zh-CN" dirty="0" smtClean="0"/>
               <a:t>()</a:t>
             </a:r>
-            <a:endParaRPr lang="en-US" altLang="zh-CN" dirty="0" smtClean="0"/>
           </a:p>
         </p:txBody>
       </p:sp>
@@ -6109,14 +6183,13 @@
               <a:rPr lang="en-US" altLang="zh-CN" dirty="0" smtClean="0"/>
               <a:t>Controller</a:t>
             </a:r>
-            <a:endParaRPr lang="en-US" altLang="zh-CN" dirty="0" smtClean="0"/>
           </a:p>
         </p:txBody>
       </p:sp>
     </p:spTree>
     <p:extLst>
       <p:ext uri="{BB962C8B-B14F-4D97-AF65-F5344CB8AC3E}">
-        <p14:creationId xmlns:p14="http://schemas.microsoft.com/office/powerpoint/2010/main" val="2243660944"/>
+        <p14:creationId xmlns:p14="http://schemas.microsoft.com/office/powerpoint/2010/main" xmlns="" val="2243660944"/>
       </p:ext>
     </p:extLst>
   </p:cSld>

--- a/StudyProgress/MyProject/ProjectArchitecture/my_project_architecture.pptx
+++ b/StudyProgress/MyProject/ProjectArchitecture/my_project_architecture.pptx
@@ -10,8 +10,8 @@
   <p:sldIdLst>
     <p:sldId id="256" r:id="rId2"/>
     <p:sldId id="257" r:id="rId3"/>
-    <p:sldId id="258" r:id="rId4"/>
-    <p:sldId id="259" r:id="rId5"/>
+    <p:sldId id="259" r:id="rId4"/>
+    <p:sldId id="258" r:id="rId5"/>
     <p:sldId id="260" r:id="rId6"/>
   </p:sldIdLst>
   <p:sldSz cx="9144000" cy="6858000" type="screen4x3"/>
@@ -197,7 +197,7 @@
             <a:fld id="{5EE492C8-9E73-4B7E-81B8-B7E4BAB8C869}" type="datetimeFigureOut">
               <a:rPr lang="zh-CN" altLang="en-US" smtClean="0"/>
               <a:pPr/>
-              <a:t>2019/1/10</a:t>
+              <a:t>2019/1/11</a:t>
             </a:fld>
             <a:endParaRPr lang="zh-CN" altLang="en-US"/>
           </a:p>
@@ -366,7 +366,7 @@
     </p:spTree>
     <p:extLst>
       <p:ext uri="{BB962C8B-B14F-4D97-AF65-F5344CB8AC3E}">
-        <p14:creationId xmlns:p14="http://schemas.microsoft.com/office/powerpoint/2010/main" xmlns="" val="1803258115"/>
+        <p14:creationId xmlns="" xmlns:p14="http://schemas.microsoft.com/office/powerpoint/2010/main" val="1803258115"/>
       </p:ext>
     </p:extLst>
   </p:cSld>
@@ -545,7 +545,7 @@
     </p:spTree>
     <p:extLst>
       <p:ext uri="{BB962C8B-B14F-4D97-AF65-F5344CB8AC3E}">
-        <p14:creationId xmlns:p14="http://schemas.microsoft.com/office/powerpoint/2010/main" xmlns="" val="4231234983"/>
+        <p14:creationId xmlns="" xmlns:p14="http://schemas.microsoft.com/office/powerpoint/2010/main" val="4231234983"/>
       </p:ext>
     </p:extLst>
   </p:cSld>
@@ -634,7 +634,7 @@
     </p:spTree>
     <p:extLst>
       <p:ext uri="{BB962C8B-B14F-4D97-AF65-F5344CB8AC3E}">
-        <p14:creationId xmlns:p14="http://schemas.microsoft.com/office/powerpoint/2010/main" xmlns="" val="4231234983"/>
+        <p14:creationId xmlns="" xmlns:p14="http://schemas.microsoft.com/office/powerpoint/2010/main" val="4231234983"/>
       </p:ext>
     </p:extLst>
   </p:cSld>
@@ -826,7 +826,7 @@
             <a:fld id="{530820CF-B880-4189-942D-D702A7CBA730}" type="datetimeFigureOut">
               <a:rPr lang="zh-CN" altLang="en-US" smtClean="0"/>
               <a:pPr/>
-              <a:t>2019/1/10</a:t>
+              <a:t>2019/1/11</a:t>
             </a:fld>
             <a:endParaRPr lang="zh-CN" altLang="en-US"/>
           </a:p>
@@ -993,7 +993,7 @@
             <a:fld id="{530820CF-B880-4189-942D-D702A7CBA730}" type="datetimeFigureOut">
               <a:rPr lang="zh-CN" altLang="en-US" smtClean="0"/>
               <a:pPr/>
-              <a:t>2019/1/10</a:t>
+              <a:t>2019/1/11</a:t>
             </a:fld>
             <a:endParaRPr lang="zh-CN" altLang="en-US"/>
           </a:p>
@@ -1170,7 +1170,7 @@
             <a:fld id="{530820CF-B880-4189-942D-D702A7CBA730}" type="datetimeFigureOut">
               <a:rPr lang="zh-CN" altLang="en-US" smtClean="0"/>
               <a:pPr/>
-              <a:t>2019/1/10</a:t>
+              <a:t>2019/1/11</a:t>
             </a:fld>
             <a:endParaRPr lang="zh-CN" altLang="en-US"/>
           </a:p>
@@ -1337,7 +1337,7 @@
             <a:fld id="{530820CF-B880-4189-942D-D702A7CBA730}" type="datetimeFigureOut">
               <a:rPr lang="zh-CN" altLang="en-US" smtClean="0"/>
               <a:pPr/>
-              <a:t>2019/1/10</a:t>
+              <a:t>2019/1/11</a:t>
             </a:fld>
             <a:endParaRPr lang="zh-CN" altLang="en-US"/>
           </a:p>
@@ -1580,7 +1580,7 @@
             <a:fld id="{530820CF-B880-4189-942D-D702A7CBA730}" type="datetimeFigureOut">
               <a:rPr lang="zh-CN" altLang="en-US" smtClean="0"/>
               <a:pPr/>
-              <a:t>2019/1/10</a:t>
+              <a:t>2019/1/11</a:t>
             </a:fld>
             <a:endParaRPr lang="zh-CN" altLang="en-US"/>
           </a:p>
@@ -1865,7 +1865,7 @@
             <a:fld id="{530820CF-B880-4189-942D-D702A7CBA730}" type="datetimeFigureOut">
               <a:rPr lang="zh-CN" altLang="en-US" smtClean="0"/>
               <a:pPr/>
-              <a:t>2019/1/10</a:t>
+              <a:t>2019/1/11</a:t>
             </a:fld>
             <a:endParaRPr lang="zh-CN" altLang="en-US"/>
           </a:p>
@@ -2284,7 +2284,7 @@
             <a:fld id="{530820CF-B880-4189-942D-D702A7CBA730}" type="datetimeFigureOut">
               <a:rPr lang="zh-CN" altLang="en-US" smtClean="0"/>
               <a:pPr/>
-              <a:t>2019/1/10</a:t>
+              <a:t>2019/1/11</a:t>
             </a:fld>
             <a:endParaRPr lang="zh-CN" altLang="en-US"/>
           </a:p>
@@ -2399,7 +2399,7 @@
             <a:fld id="{530820CF-B880-4189-942D-D702A7CBA730}" type="datetimeFigureOut">
               <a:rPr lang="zh-CN" altLang="en-US" smtClean="0"/>
               <a:pPr/>
-              <a:t>2019/1/10</a:t>
+              <a:t>2019/1/11</a:t>
             </a:fld>
             <a:endParaRPr lang="zh-CN" altLang="en-US"/>
           </a:p>
@@ -2491,7 +2491,7 @@
             <a:fld id="{530820CF-B880-4189-942D-D702A7CBA730}" type="datetimeFigureOut">
               <a:rPr lang="zh-CN" altLang="en-US" smtClean="0"/>
               <a:pPr/>
-              <a:t>2019/1/10</a:t>
+              <a:t>2019/1/11</a:t>
             </a:fld>
             <a:endParaRPr lang="zh-CN" altLang="en-US"/>
           </a:p>
@@ -2765,7 +2765,7 @@
             <a:fld id="{530820CF-B880-4189-942D-D702A7CBA730}" type="datetimeFigureOut">
               <a:rPr lang="zh-CN" altLang="en-US" smtClean="0"/>
               <a:pPr/>
-              <a:t>2019/1/10</a:t>
+              <a:t>2019/1/11</a:t>
             </a:fld>
             <a:endParaRPr lang="zh-CN" altLang="en-US"/>
           </a:p>
@@ -3015,7 +3015,7 @@
             <a:fld id="{530820CF-B880-4189-942D-D702A7CBA730}" type="datetimeFigureOut">
               <a:rPr lang="zh-CN" altLang="en-US" smtClean="0"/>
               <a:pPr/>
-              <a:t>2019/1/10</a:t>
+              <a:t>2019/1/11</a:t>
             </a:fld>
             <a:endParaRPr lang="zh-CN" altLang="en-US"/>
           </a:p>
@@ -3225,7 +3225,7 @@
             <a:fld id="{530820CF-B880-4189-942D-D702A7CBA730}" type="datetimeFigureOut">
               <a:rPr lang="zh-CN" altLang="en-US" smtClean="0"/>
               <a:pPr/>
-              <a:t>2019/1/10</a:t>
+              <a:t>2019/1/11</a:t>
             </a:fld>
             <a:endParaRPr lang="zh-CN" altLang="en-US"/>
           </a:p>
@@ -3641,7 +3641,7 @@
     </p:spTree>
     <p:extLst>
       <p:ext uri="{BB962C8B-B14F-4D97-AF65-F5344CB8AC3E}">
-        <p14:creationId xmlns:p14="http://schemas.microsoft.com/office/powerpoint/2010/main" xmlns="" val="1013166751"/>
+        <p14:creationId xmlns="" xmlns:p14="http://schemas.microsoft.com/office/powerpoint/2010/main" val="1013166751"/>
       </p:ext>
     </p:extLst>
   </p:cSld>
@@ -3775,7 +3775,7 @@
         </p:nvSpPr>
         <p:spPr>
           <a:xfrm>
-            <a:off x="539552" y="3789040"/>
+            <a:off x="2771800" y="3789040"/>
             <a:ext cx="2016224" cy="504056"/>
           </a:xfrm>
           <a:prstGeom prst="roundRect">
@@ -3805,11 +3805,7 @@
             <a:pPr algn="ctr"/>
             <a:r>
               <a:rPr lang="en-US" altLang="zh-CN" dirty="0" err="1" smtClean="0"/>
-              <a:t>Control</a:t>
-            </a:r>
-            <a:r>
-              <a:rPr lang="en-US" altLang="zh-CN" dirty="0" err="1" smtClean="0"/>
-              <a:t>Layer</a:t>
+              <a:t>ControlLayer</a:t>
             </a:r>
             <a:endParaRPr lang="en-US" altLang="zh-CN" dirty="0" smtClean="0"/>
           </a:p>
@@ -3823,7 +3819,7 @@
         </p:nvSpPr>
         <p:spPr>
           <a:xfrm>
-            <a:off x="539552" y="3284984"/>
+            <a:off x="2771800" y="3284984"/>
             <a:ext cx="2016224" cy="504056"/>
           </a:xfrm>
           <a:prstGeom prst="roundRect">
@@ -3994,7 +3990,7 @@
         </p:nvSpPr>
         <p:spPr>
           <a:xfrm>
-            <a:off x="4427984" y="3284984"/>
+            <a:off x="6084168" y="3284984"/>
             <a:ext cx="2016224" cy="504056"/>
           </a:xfrm>
           <a:prstGeom prst="roundRect">
@@ -4040,8 +4036,8 @@
         </p:nvCxnSpPr>
         <p:spPr>
           <a:xfrm flipH="1">
-            <a:off x="2555776" y="3537012"/>
-            <a:ext cx="1872208" cy="0"/>
+            <a:off x="4788024" y="3537012"/>
+            <a:ext cx="1296144" cy="0"/>
           </a:xfrm>
           <a:prstGeom prst="straightConnector1">
             <a:avLst/>
@@ -4074,7 +4070,7 @@
         </p:nvSpPr>
         <p:spPr>
           <a:xfrm>
-            <a:off x="2987824" y="3284984"/>
+            <a:off x="4860032" y="3068960"/>
             <a:ext cx="1152128" cy="369332"/>
           </a:xfrm>
           <a:prstGeom prst="rect">
@@ -4151,7 +4147,7 @@
         </p:nvSpPr>
         <p:spPr>
           <a:xfrm>
-            <a:off x="539552" y="4293096"/>
+            <a:off x="2771800" y="4293096"/>
             <a:ext cx="2016224" cy="504056"/>
           </a:xfrm>
           <a:prstGeom prst="roundRect">
@@ -4187,10 +4183,54 @@
           </a:p>
         </p:txBody>
       </p:sp>
+      <p:sp>
+        <p:nvSpPr>
+          <p:cNvPr id="16" name="圆角矩形 15"/>
+          <p:cNvSpPr/>
+          <p:nvPr/>
+        </p:nvSpPr>
+        <p:spPr>
+          <a:xfrm>
+            <a:off x="539552" y="3212976"/>
+            <a:ext cx="2016224" cy="1584176"/>
+          </a:xfrm>
+          <a:prstGeom prst="roundRect">
+            <a:avLst/>
+          </a:prstGeom>
+        </p:spPr>
+        <p:style>
+          <a:lnRef idx="2">
+            <a:schemeClr val="accent1">
+              <a:shade val="50000"/>
+            </a:schemeClr>
+          </a:lnRef>
+          <a:fillRef idx="1">
+            <a:schemeClr val="accent1"/>
+          </a:fillRef>
+          <a:effectRef idx="0">
+            <a:schemeClr val="accent1"/>
+          </a:effectRef>
+          <a:fontRef idx="minor">
+            <a:schemeClr val="lt1"/>
+          </a:fontRef>
+        </p:style>
+        <p:txBody>
+          <a:bodyPr rtlCol="0" anchor="ctr"/>
+          <a:lstStyle/>
+          <a:p>
+            <a:pPr algn="ctr"/>
+            <a:r>
+              <a:rPr lang="en-US" altLang="zh-CN" dirty="0" smtClean="0"/>
+              <a:t>Application</a:t>
+            </a:r>
+            <a:endParaRPr lang="en-US" altLang="zh-CN" dirty="0" smtClean="0"/>
+          </a:p>
+        </p:txBody>
+      </p:sp>
     </p:spTree>
     <p:extLst>
       <p:ext uri="{BB962C8B-B14F-4D97-AF65-F5344CB8AC3E}">
-        <p14:creationId xmlns:p14="http://schemas.microsoft.com/office/powerpoint/2010/main" xmlns="" val="469695826"/>
+        <p14:creationId xmlns="" xmlns:p14="http://schemas.microsoft.com/office/powerpoint/2010/main" val="469695826"/>
       </p:ext>
     </p:extLst>
   </p:cSld>
@@ -4225,7 +4265,7 @@
         </p:nvSpPr>
         <p:spPr>
           <a:xfrm>
-            <a:off x="1043608" y="1628800"/>
+            <a:off x="727685" y="476672"/>
             <a:ext cx="648072" cy="792088"/>
           </a:xfrm>
           <a:prstGeom prst="roundRect">
@@ -4269,8 +4309,8 @@
         </p:nvSpPr>
         <p:spPr>
           <a:xfrm>
-            <a:off x="2443098" y="1784783"/>
-            <a:ext cx="1080120" cy="792088"/>
+            <a:off x="2431333" y="261002"/>
+            <a:ext cx="1192798" cy="792088"/>
           </a:xfrm>
           <a:prstGeom prst="roundRect">
             <a:avLst/>
@@ -4298,8 +4338,8 @@
           <a:p>
             <a:pPr algn="ctr"/>
             <a:r>
-              <a:rPr lang="en-US" altLang="zh-CN" dirty="0" err="1" smtClean="0"/>
-              <a:t>AudioInterface</a:t>
+              <a:rPr lang="en-US" altLang="zh-CN" dirty="0" smtClean="0"/>
+              <a:t>Sig Gen 1</a:t>
             </a:r>
             <a:endParaRPr lang="zh-CN" altLang="en-US" dirty="0"/>
           </a:p>
@@ -4313,7 +4353,7 @@
         </p:nvSpPr>
         <p:spPr>
           <a:xfrm>
-            <a:off x="4283968" y="992695"/>
+            <a:off x="4782953" y="2677378"/>
             <a:ext cx="1296144" cy="792088"/>
           </a:xfrm>
           <a:prstGeom prst="roundRect">
@@ -4346,159 +4386,6 @@
               <a:t>UUT-A</a:t>
             </a:r>
             <a:endParaRPr lang="zh-CN" altLang="en-US" dirty="0"/>
-          </a:p>
-        </p:txBody>
-      </p:sp>
-      <p:sp>
-        <p:nvSpPr>
-          <p:cNvPr id="5" name="圆角矩形 4"/>
-          <p:cNvSpPr/>
-          <p:nvPr/>
-        </p:nvSpPr>
-        <p:spPr>
-          <a:xfrm>
-            <a:off x="4283968" y="2420888"/>
-            <a:ext cx="1296144" cy="792088"/>
-          </a:xfrm>
-          <a:prstGeom prst="roundRect">
-            <a:avLst/>
-          </a:prstGeom>
-        </p:spPr>
-        <p:style>
-          <a:lnRef idx="2">
-            <a:schemeClr val="accent1">
-              <a:shade val="50000"/>
-            </a:schemeClr>
-          </a:lnRef>
-          <a:fillRef idx="1">
-            <a:schemeClr val="accent1"/>
-          </a:fillRef>
-          <a:effectRef idx="0">
-            <a:schemeClr val="accent1"/>
-          </a:effectRef>
-          <a:fontRef idx="minor">
-            <a:schemeClr val="lt1"/>
-          </a:fontRef>
-        </p:style>
-        <p:txBody>
-          <a:bodyPr rtlCol="0" anchor="ctr"/>
-          <a:lstStyle/>
-          <a:p>
-            <a:pPr algn="ctr"/>
-            <a:r>
-              <a:rPr lang="en-US" altLang="zh-CN" dirty="0" smtClean="0"/>
-              <a:t>UUT-B</a:t>
-            </a:r>
-            <a:endParaRPr lang="zh-CN" altLang="en-US" dirty="0"/>
-          </a:p>
-        </p:txBody>
-      </p:sp>
-      <p:sp>
-        <p:nvSpPr>
-          <p:cNvPr id="6" name="下箭头 5"/>
-          <p:cNvSpPr/>
-          <p:nvPr/>
-        </p:nvSpPr>
-        <p:spPr>
-          <a:xfrm>
-            <a:off x="4788024" y="1916832"/>
-            <a:ext cx="216024" cy="432048"/>
-          </a:xfrm>
-          <a:prstGeom prst="downArrow">
-            <a:avLst/>
-          </a:prstGeom>
-        </p:spPr>
-        <p:style>
-          <a:lnRef idx="2">
-            <a:schemeClr val="accent1">
-              <a:shade val="50000"/>
-            </a:schemeClr>
-          </a:lnRef>
-          <a:fillRef idx="1">
-            <a:schemeClr val="accent1"/>
-          </a:fillRef>
-          <a:effectRef idx="0">
-            <a:schemeClr val="accent1"/>
-          </a:effectRef>
-          <a:fontRef idx="minor">
-            <a:schemeClr val="lt1"/>
-          </a:fontRef>
-        </p:style>
-        <p:txBody>
-          <a:bodyPr rtlCol="0" anchor="ctr"/>
-          <a:lstStyle/>
-          <a:p>
-            <a:pPr algn="ctr"/>
-            <a:endParaRPr lang="zh-CN" altLang="en-US"/>
-          </a:p>
-        </p:txBody>
-      </p:sp>
-      <p:sp>
-        <p:nvSpPr>
-          <p:cNvPr id="7" name="下箭头 6"/>
-          <p:cNvSpPr/>
-          <p:nvPr/>
-        </p:nvSpPr>
-        <p:spPr>
-          <a:xfrm flipV="1">
-            <a:off x="4788024" y="1803850"/>
-            <a:ext cx="216024" cy="432048"/>
-          </a:xfrm>
-          <a:prstGeom prst="downArrow">
-            <a:avLst/>
-          </a:prstGeom>
-        </p:spPr>
-        <p:style>
-          <a:lnRef idx="2">
-            <a:schemeClr val="accent1">
-              <a:shade val="50000"/>
-            </a:schemeClr>
-          </a:lnRef>
-          <a:fillRef idx="1">
-            <a:schemeClr val="accent1"/>
-          </a:fillRef>
-          <a:effectRef idx="0">
-            <a:schemeClr val="accent1"/>
-          </a:effectRef>
-          <a:fontRef idx="minor">
-            <a:schemeClr val="lt1"/>
-          </a:fontRef>
-        </p:style>
-        <p:txBody>
-          <a:bodyPr rtlCol="0" anchor="ctr"/>
-          <a:lstStyle/>
-          <a:p>
-            <a:pPr algn="ctr"/>
-            <a:endParaRPr lang="zh-CN" altLang="en-US"/>
-          </a:p>
-        </p:txBody>
-      </p:sp>
-      <p:sp>
-        <p:nvSpPr>
-          <p:cNvPr id="8" name="TextBox 7"/>
-          <p:cNvSpPr txBox="1"/>
-          <p:nvPr/>
-        </p:nvSpPr>
-        <p:spPr>
-          <a:xfrm>
-            <a:off x="5220072" y="2019874"/>
-            <a:ext cx="720080" cy="369332"/>
-          </a:xfrm>
-          <a:prstGeom prst="rect">
-            <a:avLst/>
-          </a:prstGeom>
-          <a:noFill/>
-        </p:spPr>
-        <p:txBody>
-          <a:bodyPr wrap="square" rtlCol="0">
-            <a:spAutoFit/>
-          </a:bodyPr>
-          <a:lstStyle/>
-          <a:p>
-            <a:r>
-              <a:rPr lang="zh-CN" altLang="en-US" dirty="0"/>
-              <a:t>空口</a:t>
-            </a:r>
           </a:p>
         </p:txBody>
       </p:sp>
@@ -4530,12 +4417,8 @@
           <a:lstStyle/>
           <a:p>
             <a:r>
-              <a:rPr lang="en-US" altLang="zh-CN" dirty="0"/>
-              <a:t>PESQ</a:t>
-            </a:r>
-            <a:r>
               <a:rPr lang="en-US" altLang="zh-CN" dirty="0" smtClean="0"/>
-              <a:t> </a:t>
+              <a:t>PST </a:t>
             </a:r>
             <a:r>
               <a:rPr lang="zh-CN" altLang="en-US" dirty="0" smtClean="0"/>
@@ -4545,142 +4428,6 @@
           </a:p>
         </p:txBody>
       </p:sp>
-      <p:cxnSp>
-        <p:nvCxnSpPr>
-          <p:cNvPr id="11" name="直接箭头连接符 10"/>
-          <p:cNvCxnSpPr/>
-          <p:nvPr/>
-        </p:nvCxnSpPr>
-        <p:spPr>
-          <a:xfrm>
-            <a:off x="1691680" y="1916832"/>
-            <a:ext cx="751418" cy="0"/>
-          </a:xfrm>
-          <a:prstGeom prst="straightConnector1">
-            <a:avLst/>
-          </a:prstGeom>
-          <a:ln>
-            <a:tailEnd type="arrow"/>
-          </a:ln>
-        </p:spPr>
-        <p:style>
-          <a:lnRef idx="1">
-            <a:schemeClr val="accent1"/>
-          </a:lnRef>
-          <a:fillRef idx="0">
-            <a:schemeClr val="accent1"/>
-          </a:fillRef>
-          <a:effectRef idx="0">
-            <a:schemeClr val="accent1"/>
-          </a:effectRef>
-          <a:fontRef idx="minor">
-            <a:schemeClr val="tx1"/>
-          </a:fontRef>
-        </p:style>
-      </p:cxnSp>
-      <p:cxnSp>
-        <p:nvCxnSpPr>
-          <p:cNvPr id="13" name="直接箭头连接符 12"/>
-          <p:cNvCxnSpPr/>
-          <p:nvPr/>
-        </p:nvCxnSpPr>
-        <p:spPr>
-          <a:xfrm flipV="1">
-            <a:off x="3523218" y="1196752"/>
-            <a:ext cx="760750" cy="588031"/>
-          </a:xfrm>
-          <a:prstGeom prst="straightConnector1">
-            <a:avLst/>
-          </a:prstGeom>
-          <a:ln>
-            <a:tailEnd type="arrow"/>
-          </a:ln>
-        </p:spPr>
-        <p:style>
-          <a:lnRef idx="1">
-            <a:schemeClr val="accent1"/>
-          </a:lnRef>
-          <a:fillRef idx="0">
-            <a:schemeClr val="accent1"/>
-          </a:fillRef>
-          <a:effectRef idx="0">
-            <a:schemeClr val="accent1"/>
-          </a:effectRef>
-          <a:fontRef idx="minor">
-            <a:schemeClr val="tx1"/>
-          </a:fontRef>
-        </p:style>
-      </p:cxnSp>
-      <p:cxnSp>
-        <p:nvCxnSpPr>
-          <p:cNvPr id="17" name="直接箭头连接符 16"/>
-          <p:cNvCxnSpPr>
-            <a:stCxn id="5" idx="1"/>
-          </p:cNvCxnSpPr>
-          <p:nvPr/>
-        </p:nvCxnSpPr>
-        <p:spPr>
-          <a:xfrm flipH="1" flipV="1">
-            <a:off x="3523218" y="2420888"/>
-            <a:ext cx="760750" cy="396044"/>
-          </a:xfrm>
-          <a:prstGeom prst="straightConnector1">
-            <a:avLst/>
-          </a:prstGeom>
-          <a:ln>
-            <a:tailEnd type="arrow"/>
-          </a:ln>
-        </p:spPr>
-        <p:style>
-          <a:lnRef idx="1">
-            <a:schemeClr val="accent1"/>
-          </a:lnRef>
-          <a:fillRef idx="0">
-            <a:schemeClr val="accent1"/>
-          </a:fillRef>
-          <a:effectRef idx="0">
-            <a:schemeClr val="accent1"/>
-          </a:effectRef>
-          <a:fontRef idx="minor">
-            <a:schemeClr val="tx1"/>
-          </a:fontRef>
-        </p:style>
-      </p:cxnSp>
-      <p:cxnSp>
-        <p:nvCxnSpPr>
-          <p:cNvPr id="19" name="直接箭头连接符 18"/>
-          <p:cNvCxnSpPr>
-            <a:stCxn id="3" idx="1"/>
-          </p:cNvCxnSpPr>
-          <p:nvPr/>
-        </p:nvCxnSpPr>
-        <p:spPr>
-          <a:xfrm flipH="1" flipV="1">
-            <a:off x="1691680" y="2132856"/>
-            <a:ext cx="751418" cy="47971"/>
-          </a:xfrm>
-          <a:prstGeom prst="straightConnector1">
-            <a:avLst/>
-          </a:prstGeom>
-          <a:ln>
-            <a:tailEnd type="arrow"/>
-          </a:ln>
-        </p:spPr>
-        <p:style>
-          <a:lnRef idx="1">
-            <a:schemeClr val="accent1"/>
-          </a:lnRef>
-          <a:fillRef idx="0">
-            <a:schemeClr val="accent1"/>
-          </a:fillRef>
-          <a:effectRef idx="0">
-            <a:schemeClr val="accent1"/>
-          </a:effectRef>
-          <a:fontRef idx="minor">
-            <a:schemeClr val="tx1"/>
-          </a:fontRef>
-        </p:style>
-      </p:cxnSp>
       <p:sp>
         <p:nvSpPr>
           <p:cNvPr id="22" name="圆角矩形 21"/>
@@ -4733,8 +4480,8 @@
         </p:nvSpPr>
         <p:spPr>
           <a:xfrm>
-            <a:off x="539552" y="4293096"/>
-            <a:ext cx="2016224" cy="504056"/>
+            <a:off x="539552" y="3789040"/>
+            <a:ext cx="2016224" cy="1008112"/>
           </a:xfrm>
           <a:prstGeom prst="roundRect">
             <a:avLst/>
@@ -4766,6 +4513,24 @@
               <a:t>Support Libs</a:t>
             </a:r>
           </a:p>
+          <a:p>
+            <a:pPr algn="ctr"/>
+            <a:r>
+              <a:rPr lang="en-US" altLang="zh-CN" dirty="0" err="1" smtClean="0"/>
+              <a:t>Equipemtn</a:t>
+            </a:r>
+            <a:r>
+              <a:rPr lang="en-US" altLang="zh-CN" dirty="0" smtClean="0"/>
+              <a:t> GPIB</a:t>
+            </a:r>
+          </a:p>
+          <a:p>
+            <a:pPr algn="ctr"/>
+            <a:r>
+              <a:rPr lang="en-US" altLang="zh-CN" dirty="0" smtClean="0"/>
+              <a:t>Radio Drivers</a:t>
+            </a:r>
+          </a:p>
         </p:txBody>
       </p:sp>
       <p:sp>
@@ -4776,7 +4541,7 @@
         </p:nvSpPr>
         <p:spPr>
           <a:xfrm>
-            <a:off x="539552" y="3789040"/>
+            <a:off x="523730" y="3295126"/>
             <a:ext cx="2016224" cy="504056"/>
           </a:xfrm>
           <a:prstGeom prst="roundRect">
@@ -4820,8 +4585,8 @@
         </p:nvSpPr>
         <p:spPr>
           <a:xfrm>
-            <a:off x="3635896" y="3789040"/>
-            <a:ext cx="3888432" cy="1754326"/>
+            <a:off x="3635896" y="3573016"/>
+            <a:ext cx="1800200" cy="369332"/>
           </a:xfrm>
           <a:prstGeom prst="rect">
             <a:avLst/>
@@ -4841,81 +4606,610 @@
           <a:p>
             <a:r>
               <a:rPr lang="en-US" altLang="zh-CN" dirty="0" err="1" smtClean="0"/>
-              <a:t>TestCaseManger.execute</a:t>
-            </a:r>
+              <a:t>TestCaseManger</a:t>
+            </a:r>
+            <a:endParaRPr lang="en-US" altLang="zh-CN" dirty="0"/>
+          </a:p>
+        </p:txBody>
+      </p:sp>
+      <p:sp>
+        <p:nvSpPr>
+          <p:cNvPr id="20" name="圆角矩形 19"/>
+          <p:cNvSpPr/>
+          <p:nvPr/>
+        </p:nvSpPr>
+        <p:spPr>
+          <a:xfrm>
+            <a:off x="2453442" y="1166272"/>
+            <a:ext cx="1192798" cy="792088"/>
+          </a:xfrm>
+          <a:prstGeom prst="roundRect">
+            <a:avLst/>
+          </a:prstGeom>
+        </p:spPr>
+        <p:style>
+          <a:lnRef idx="2">
+            <a:schemeClr val="accent1">
+              <a:shade val="50000"/>
+            </a:schemeClr>
+          </a:lnRef>
+          <a:fillRef idx="1">
+            <a:schemeClr val="accent1"/>
+          </a:fillRef>
+          <a:effectRef idx="0">
+            <a:schemeClr val="accent1"/>
+          </a:effectRef>
+          <a:fontRef idx="minor">
+            <a:schemeClr val="lt1"/>
+          </a:fontRef>
+        </p:style>
+        <p:txBody>
+          <a:bodyPr rtlCol="0" anchor="ctr"/>
+          <a:lstStyle/>
+          <a:p>
+            <a:pPr algn="ctr"/>
+            <a:r>
+              <a:rPr lang="en-US" altLang="zh-CN" dirty="0" smtClean="0"/>
+              <a:t>Sig Gen 1</a:t>
+            </a:r>
+            <a:endParaRPr lang="zh-CN" altLang="en-US" dirty="0"/>
+          </a:p>
+        </p:txBody>
+      </p:sp>
+      <p:sp>
+        <p:nvSpPr>
+          <p:cNvPr id="21" name="圆角矩形 20"/>
+          <p:cNvSpPr/>
+          <p:nvPr/>
+        </p:nvSpPr>
+        <p:spPr>
+          <a:xfrm>
+            <a:off x="2426059" y="2132856"/>
+            <a:ext cx="1192798" cy="792088"/>
+          </a:xfrm>
+          <a:prstGeom prst="roundRect">
+            <a:avLst/>
+          </a:prstGeom>
+        </p:spPr>
+        <p:style>
+          <a:lnRef idx="2">
+            <a:schemeClr val="accent1">
+              <a:shade val="50000"/>
+            </a:schemeClr>
+          </a:lnRef>
+          <a:fillRef idx="1">
+            <a:schemeClr val="accent1"/>
+          </a:fillRef>
+          <a:effectRef idx="0">
+            <a:schemeClr val="accent1"/>
+          </a:effectRef>
+          <a:fontRef idx="minor">
+            <a:schemeClr val="lt1"/>
+          </a:fontRef>
+        </p:style>
+        <p:txBody>
+          <a:bodyPr rtlCol="0" anchor="ctr"/>
+          <a:lstStyle/>
+          <a:p>
+            <a:pPr algn="ctr"/>
+            <a:r>
+              <a:rPr lang="en-US" altLang="zh-CN" dirty="0" smtClean="0"/>
+              <a:t>Sig Gen 1</a:t>
+            </a:r>
+            <a:endParaRPr lang="zh-CN" altLang="en-US" dirty="0"/>
+          </a:p>
+        </p:txBody>
+      </p:sp>
+      <p:sp>
+        <p:nvSpPr>
+          <p:cNvPr id="25" name="圆角矩形 24"/>
+          <p:cNvSpPr/>
+          <p:nvPr/>
+        </p:nvSpPr>
+        <p:spPr>
+          <a:xfrm>
+            <a:off x="6732240" y="467544"/>
+            <a:ext cx="1296144" cy="792088"/>
+          </a:xfrm>
+          <a:prstGeom prst="roundRect">
+            <a:avLst/>
+          </a:prstGeom>
+        </p:spPr>
+        <p:style>
+          <a:lnRef idx="2">
+            <a:schemeClr val="accent1">
+              <a:shade val="50000"/>
+            </a:schemeClr>
+          </a:lnRef>
+          <a:fillRef idx="1">
+            <a:schemeClr val="accent1"/>
+          </a:fillRef>
+          <a:effectRef idx="0">
+            <a:schemeClr val="accent1"/>
+          </a:effectRef>
+          <a:fontRef idx="minor">
+            <a:schemeClr val="lt1"/>
+          </a:fontRef>
+        </p:style>
+        <p:txBody>
+          <a:bodyPr rtlCol="0" anchor="ctr"/>
+          <a:lstStyle/>
+          <a:p>
+            <a:pPr algn="ctr"/>
+            <a:r>
+              <a:rPr lang="en-US" altLang="zh-CN" dirty="0" smtClean="0"/>
+              <a:t>power </a:t>
+            </a:r>
+          </a:p>
+          <a:p>
+            <a:pPr algn="ctr"/>
+            <a:r>
+              <a:rPr lang="en-US" altLang="zh-CN" dirty="0"/>
+              <a:t>meter</a:t>
+            </a:r>
+            <a:endParaRPr lang="zh-CN" altLang="en-US" dirty="0"/>
+          </a:p>
+        </p:txBody>
+      </p:sp>
+      <p:sp>
+        <p:nvSpPr>
+          <p:cNvPr id="12" name="圆角矩形 11"/>
+          <p:cNvSpPr/>
+          <p:nvPr/>
+        </p:nvSpPr>
+        <p:spPr>
+          <a:xfrm>
+            <a:off x="4788024" y="1259632"/>
+            <a:ext cx="1440160" cy="729208"/>
+          </a:xfrm>
+          <a:prstGeom prst="roundRect">
+            <a:avLst/>
+          </a:prstGeom>
+        </p:spPr>
+        <p:style>
+          <a:lnRef idx="2">
+            <a:schemeClr val="accent1">
+              <a:shade val="50000"/>
+            </a:schemeClr>
+          </a:lnRef>
+          <a:fillRef idx="1">
+            <a:schemeClr val="accent1"/>
+          </a:fillRef>
+          <a:effectRef idx="0">
+            <a:schemeClr val="accent1"/>
+          </a:effectRef>
+          <a:fontRef idx="minor">
+            <a:schemeClr val="lt1"/>
+          </a:fontRef>
+        </p:style>
+        <p:txBody>
+          <a:bodyPr rtlCol="0" anchor="ctr"/>
+          <a:lstStyle/>
+          <a:p>
+            <a:pPr algn="ctr"/>
             <a:r>
               <a:rPr lang="zh-CN" altLang="en-US" dirty="0" smtClean="0"/>
-              <a:t>（）</a:t>
+              <a:t>耦合器</a:t>
+            </a:r>
+            <a:endParaRPr lang="zh-CN" altLang="en-US" dirty="0"/>
+          </a:p>
+        </p:txBody>
+      </p:sp>
+      <p:cxnSp>
+        <p:nvCxnSpPr>
+          <p:cNvPr id="15" name="直接箭头连接符 14"/>
+          <p:cNvCxnSpPr/>
+          <p:nvPr/>
+        </p:nvCxnSpPr>
+        <p:spPr>
+          <a:xfrm flipV="1">
+            <a:off x="5868144" y="1988840"/>
+            <a:ext cx="0" cy="688538"/>
+          </a:xfrm>
+          <a:prstGeom prst="straightConnector1">
+            <a:avLst/>
+          </a:prstGeom>
+          <a:ln>
+            <a:tailEnd type="arrow"/>
+          </a:ln>
+        </p:spPr>
+        <p:style>
+          <a:lnRef idx="1">
+            <a:schemeClr val="accent1"/>
+          </a:lnRef>
+          <a:fillRef idx="0">
+            <a:schemeClr val="accent1"/>
+          </a:fillRef>
+          <a:effectRef idx="0">
+            <a:schemeClr val="accent1"/>
+          </a:effectRef>
+          <a:fontRef idx="minor">
+            <a:schemeClr val="tx1"/>
+          </a:fontRef>
+        </p:style>
+      </p:cxnSp>
+      <p:cxnSp>
+        <p:nvCxnSpPr>
+          <p:cNvPr id="18" name="肘形连接符 17"/>
+          <p:cNvCxnSpPr>
+            <a:stCxn id="12" idx="0"/>
+            <a:endCxn id="25" idx="1"/>
+          </p:cNvCxnSpPr>
+          <p:nvPr/>
+        </p:nvCxnSpPr>
+        <p:spPr>
+          <a:xfrm rot="5400000" flipH="1" flipV="1">
+            <a:off x="5922150" y="449542"/>
+            <a:ext cx="396044" cy="1224136"/>
+          </a:xfrm>
+          <a:prstGeom prst="bentConnector2">
+            <a:avLst/>
+          </a:prstGeom>
+          <a:ln>
+            <a:tailEnd type="arrow"/>
+          </a:ln>
+        </p:spPr>
+        <p:style>
+          <a:lnRef idx="1">
+            <a:schemeClr val="accent1"/>
+          </a:lnRef>
+          <a:fillRef idx="0">
+            <a:schemeClr val="accent1"/>
+          </a:fillRef>
+          <a:effectRef idx="0">
+            <a:schemeClr val="accent1"/>
+          </a:effectRef>
+          <a:fontRef idx="minor">
+            <a:schemeClr val="tx1"/>
+          </a:fontRef>
+        </p:style>
+      </p:cxnSp>
+      <p:cxnSp>
+        <p:nvCxnSpPr>
+          <p:cNvPr id="28" name="直接箭头连接符 27"/>
+          <p:cNvCxnSpPr>
+            <a:stCxn id="3" idx="3"/>
+            <a:endCxn id="12" idx="1"/>
+          </p:cNvCxnSpPr>
+          <p:nvPr/>
+        </p:nvCxnSpPr>
+        <p:spPr>
+          <a:xfrm>
+            <a:off x="3624131" y="657046"/>
+            <a:ext cx="1163893" cy="967190"/>
+          </a:xfrm>
+          <a:prstGeom prst="straightConnector1">
+            <a:avLst/>
+          </a:prstGeom>
+          <a:ln>
+            <a:tailEnd type="arrow"/>
+          </a:ln>
+        </p:spPr>
+        <p:style>
+          <a:lnRef idx="1">
+            <a:schemeClr val="accent1"/>
+          </a:lnRef>
+          <a:fillRef idx="0">
+            <a:schemeClr val="accent1"/>
+          </a:fillRef>
+          <a:effectRef idx="0">
+            <a:schemeClr val="accent1"/>
+          </a:effectRef>
+          <a:fontRef idx="minor">
+            <a:schemeClr val="tx1"/>
+          </a:fontRef>
+        </p:style>
+      </p:cxnSp>
+      <p:cxnSp>
+        <p:nvCxnSpPr>
+          <p:cNvPr id="30" name="直接箭头连接符 29"/>
+          <p:cNvCxnSpPr>
+            <a:stCxn id="20" idx="3"/>
+            <a:endCxn id="12" idx="1"/>
+          </p:cNvCxnSpPr>
+          <p:nvPr/>
+        </p:nvCxnSpPr>
+        <p:spPr>
+          <a:xfrm>
+            <a:off x="3646240" y="1562316"/>
+            <a:ext cx="1141784" cy="61920"/>
+          </a:xfrm>
+          <a:prstGeom prst="straightConnector1">
+            <a:avLst/>
+          </a:prstGeom>
+          <a:ln>
+            <a:tailEnd type="arrow"/>
+          </a:ln>
+        </p:spPr>
+        <p:style>
+          <a:lnRef idx="1">
+            <a:schemeClr val="accent1"/>
+          </a:lnRef>
+          <a:fillRef idx="0">
+            <a:schemeClr val="accent1"/>
+          </a:fillRef>
+          <a:effectRef idx="0">
+            <a:schemeClr val="accent1"/>
+          </a:effectRef>
+          <a:fontRef idx="minor">
+            <a:schemeClr val="tx1"/>
+          </a:fontRef>
+        </p:style>
+      </p:cxnSp>
+      <p:cxnSp>
+        <p:nvCxnSpPr>
+          <p:cNvPr id="32" name="直接箭头连接符 31"/>
+          <p:cNvCxnSpPr>
+            <a:stCxn id="21" idx="3"/>
+            <a:endCxn id="12" idx="1"/>
+          </p:cNvCxnSpPr>
+          <p:nvPr/>
+        </p:nvCxnSpPr>
+        <p:spPr>
+          <a:xfrm flipV="1">
+            <a:off x="3618857" y="1624236"/>
+            <a:ext cx="1169167" cy="904664"/>
+          </a:xfrm>
+          <a:prstGeom prst="straightConnector1">
+            <a:avLst/>
+          </a:prstGeom>
+          <a:ln>
+            <a:tailEnd type="arrow"/>
+          </a:ln>
+        </p:spPr>
+        <p:style>
+          <a:lnRef idx="1">
+            <a:schemeClr val="accent1"/>
+          </a:lnRef>
+          <a:fillRef idx="0">
+            <a:schemeClr val="accent1"/>
+          </a:fillRef>
+          <a:effectRef idx="0">
+            <a:schemeClr val="accent1"/>
+          </a:effectRef>
+          <a:fontRef idx="minor">
+            <a:schemeClr val="tx1"/>
+          </a:fontRef>
+        </p:style>
+      </p:cxnSp>
+      <p:cxnSp>
+        <p:nvCxnSpPr>
+          <p:cNvPr id="34" name="直接箭头连接符 33"/>
+          <p:cNvCxnSpPr/>
+          <p:nvPr/>
+        </p:nvCxnSpPr>
+        <p:spPr>
+          <a:xfrm>
+            <a:off x="5076056" y="1988840"/>
+            <a:ext cx="0" cy="688538"/>
+          </a:xfrm>
+          <a:prstGeom prst="straightConnector1">
+            <a:avLst/>
+          </a:prstGeom>
+          <a:ln>
+            <a:tailEnd type="arrow"/>
+          </a:ln>
+        </p:spPr>
+        <p:style>
+          <a:lnRef idx="1">
+            <a:schemeClr val="accent1"/>
+          </a:lnRef>
+          <a:fillRef idx="0">
+            <a:schemeClr val="accent1"/>
+          </a:fillRef>
+          <a:effectRef idx="0">
+            <a:schemeClr val="accent1"/>
+          </a:effectRef>
+          <a:fontRef idx="minor">
+            <a:schemeClr val="tx1"/>
+          </a:fontRef>
+        </p:style>
+      </p:cxnSp>
+      <p:cxnSp>
+        <p:nvCxnSpPr>
+          <p:cNvPr id="36" name="肘形连接符 35"/>
+          <p:cNvCxnSpPr>
+            <a:stCxn id="4" idx="1"/>
+            <a:endCxn id="2" idx="2"/>
+          </p:cNvCxnSpPr>
+          <p:nvPr/>
+        </p:nvCxnSpPr>
+        <p:spPr>
+          <a:xfrm rot="10800000">
+            <a:off x="1051721" y="1268760"/>
+            <a:ext cx="3731232" cy="1804662"/>
+          </a:xfrm>
+          <a:prstGeom prst="bentConnector2">
+            <a:avLst/>
+          </a:prstGeom>
+          <a:ln>
+            <a:headEnd type="arrow"/>
+            <a:tailEnd type="arrow"/>
+          </a:ln>
+        </p:spPr>
+        <p:style>
+          <a:lnRef idx="1">
+            <a:schemeClr val="accent1"/>
+          </a:lnRef>
+          <a:fillRef idx="0">
+            <a:schemeClr val="accent1"/>
+          </a:fillRef>
+          <a:effectRef idx="0">
+            <a:schemeClr val="accent1"/>
+          </a:effectRef>
+          <a:fontRef idx="minor">
+            <a:schemeClr val="tx1"/>
+          </a:fontRef>
+        </p:style>
+      </p:cxnSp>
+      <p:sp>
+        <p:nvSpPr>
+          <p:cNvPr id="44" name="TextBox 43"/>
+          <p:cNvSpPr txBox="1"/>
+          <p:nvPr/>
+        </p:nvSpPr>
+        <p:spPr>
+          <a:xfrm>
+            <a:off x="1187624" y="1412776"/>
+            <a:ext cx="576064" cy="369332"/>
+          </a:xfrm>
+          <a:prstGeom prst="rect">
+            <a:avLst/>
+          </a:prstGeom>
+          <a:noFill/>
+        </p:spPr>
+        <p:txBody>
+          <a:bodyPr wrap="square" rtlCol="0">
+            <a:spAutoFit/>
+          </a:bodyPr>
+          <a:lstStyle/>
+          <a:p>
+            <a:r>
+              <a:rPr lang="en-US" altLang="zh-CN" dirty="0" err="1" smtClean="0"/>
+              <a:t>usb</a:t>
+            </a:r>
+            <a:endParaRPr lang="zh-CN" altLang="en-US" dirty="0"/>
+          </a:p>
+        </p:txBody>
+      </p:sp>
+      <p:sp>
+        <p:nvSpPr>
+          <p:cNvPr id="27" name="TextBox 26"/>
+          <p:cNvSpPr txBox="1"/>
+          <p:nvPr/>
+        </p:nvSpPr>
+        <p:spPr>
+          <a:xfrm>
+            <a:off x="3635896" y="4365104"/>
+            <a:ext cx="1656184" cy="1200329"/>
+          </a:xfrm>
+          <a:prstGeom prst="rect">
+            <a:avLst/>
+          </a:prstGeom>
+          <a:noFill/>
+          <a:ln>
+            <a:solidFill>
+              <a:schemeClr val="accent1"/>
+            </a:solidFill>
+          </a:ln>
+        </p:spPr>
+        <p:txBody>
+          <a:bodyPr wrap="square" rtlCol="0">
+            <a:spAutoFit/>
+          </a:bodyPr>
+          <a:lstStyle/>
+          <a:p>
+            <a:r>
+              <a:rPr lang="en-US" altLang="zh-CN" dirty="0" smtClean="0"/>
+              <a:t>Device</a:t>
+            </a:r>
+          </a:p>
+          <a:p>
+            <a:r>
+              <a:rPr lang="en-US" altLang="zh-CN" dirty="0" smtClean="0"/>
+              <a:t>Start/stop()</a:t>
+            </a:r>
+          </a:p>
+          <a:p>
+            <a:r>
+              <a:rPr lang="en-US" altLang="zh-CN" dirty="0" smtClean="0"/>
+              <a:t>Set/</a:t>
+            </a:r>
+            <a:r>
+              <a:rPr lang="en-US" altLang="zh-CN" dirty="0" err="1" smtClean="0"/>
+              <a:t>getOption</a:t>
+            </a:r>
+            <a:r>
+              <a:rPr lang="en-US" altLang="zh-CN" dirty="0" smtClean="0"/>
+              <a:t>()</a:t>
+            </a:r>
+          </a:p>
+          <a:p>
+            <a:r>
+              <a:rPr lang="en-US" altLang="zh-CN" dirty="0" err="1" smtClean="0"/>
+              <a:t>getResult</a:t>
+            </a:r>
+            <a:r>
+              <a:rPr lang="en-US" altLang="zh-CN" dirty="0" smtClean="0"/>
+              <a:t>()</a:t>
             </a:r>
             <a:endParaRPr lang="en-US" altLang="zh-CN" dirty="0" smtClean="0"/>
           </a:p>
+        </p:txBody>
+      </p:sp>
+      <p:sp>
+        <p:nvSpPr>
+          <p:cNvPr id="29" name="TextBox 28"/>
+          <p:cNvSpPr txBox="1"/>
+          <p:nvPr/>
+        </p:nvSpPr>
+        <p:spPr>
+          <a:xfrm>
+            <a:off x="6372200" y="3501008"/>
+            <a:ext cx="1512168" cy="1477328"/>
+          </a:xfrm>
+          <a:prstGeom prst="rect">
+            <a:avLst/>
+          </a:prstGeom>
+          <a:noFill/>
+          <a:ln>
+            <a:solidFill>
+              <a:schemeClr val="accent1"/>
+            </a:solidFill>
+          </a:ln>
+        </p:spPr>
+        <p:txBody>
+          <a:bodyPr wrap="square" rtlCol="0">
+            <a:spAutoFit/>
+          </a:bodyPr>
+          <a:lstStyle/>
           <a:p>
             <a:r>
               <a:rPr lang="en-US" altLang="zh-CN" dirty="0" smtClean="0"/>
-              <a:t>{</a:t>
+              <a:t>Option</a:t>
             </a:r>
           </a:p>
           <a:p>
             <a:r>
               <a:rPr lang="en-US" altLang="zh-CN" dirty="0" smtClean="0"/>
-              <a:t>	</a:t>
+              <a:t>-</a:t>
             </a:r>
             <a:r>
               <a:rPr lang="en-US" altLang="zh-CN" dirty="0" err="1" smtClean="0"/>
-              <a:t>playAudio</a:t>
-            </a:r>
-            <a:r>
-              <a:rPr lang="zh-CN" altLang="en-US" dirty="0" smtClean="0"/>
-              <a:t>（）</a:t>
+              <a:t>dst</a:t>
             </a:r>
             <a:endParaRPr lang="en-US" altLang="zh-CN" dirty="0" smtClean="0"/>
           </a:p>
           <a:p>
             <a:r>
-              <a:rPr lang="en-US" altLang="zh-CN" dirty="0"/>
-              <a:t> </a:t>
-            </a:r>
-            <a:r>
               <a:rPr lang="en-US" altLang="zh-CN" dirty="0" smtClean="0"/>
-              <a:t>   	</a:t>
+              <a:t>-frequency</a:t>
+            </a:r>
+          </a:p>
+          <a:p>
+            <a:r>
+              <a:rPr lang="en-US" altLang="zh-CN" dirty="0" smtClean="0"/>
+              <a:t>-</a:t>
             </a:r>
             <a:r>
               <a:rPr lang="en-US" altLang="zh-CN" dirty="0" err="1" smtClean="0"/>
-              <a:t>recordAudio</a:t>
-            </a:r>
-            <a:r>
-              <a:rPr lang="zh-CN" altLang="en-US" dirty="0" smtClean="0"/>
-              <a:t>（）</a:t>
+              <a:t>powerlevel</a:t>
             </a:r>
             <a:endParaRPr lang="en-US" altLang="zh-CN" dirty="0" smtClean="0"/>
           </a:p>
           <a:p>
             <a:r>
-              <a:rPr lang="en-US" altLang="zh-CN" dirty="0"/>
-              <a:t>	</a:t>
-            </a:r>
-            <a:r>
-              <a:rPr lang="en-US" altLang="zh-CN" dirty="0" err="1" smtClean="0"/>
-              <a:t>checkAudio</a:t>
-            </a:r>
-            <a:r>
-              <a:rPr lang="zh-CN" altLang="en-US" dirty="0" smtClean="0"/>
-              <a:t>（）</a:t>
-            </a:r>
-            <a:endParaRPr lang="en-US" altLang="zh-CN" dirty="0" smtClean="0"/>
-          </a:p>
-          <a:p>
-            <a:r>
               <a:rPr lang="en-US" altLang="zh-CN" dirty="0" smtClean="0"/>
-              <a:t>}</a:t>
-            </a:r>
+              <a:t>-pattern</a:t>
+            </a:r>
+            <a:endParaRPr lang="en-US" altLang="zh-CN" dirty="0"/>
           </a:p>
         </p:txBody>
       </p:sp>
     </p:spTree>
     <p:extLst>
       <p:ext uri="{BB962C8B-B14F-4D97-AF65-F5344CB8AC3E}">
-        <p14:creationId xmlns:p14="http://schemas.microsoft.com/office/powerpoint/2010/main" xmlns="" val="748711177"/>
+        <p14:creationId xmlns="" xmlns:p14="http://schemas.microsoft.com/office/powerpoint/2010/main" val="1050729204"/>
       </p:ext>
     </p:extLst>
   </p:cSld>
@@ -4950,7 +5244,7 @@
         </p:nvSpPr>
         <p:spPr>
           <a:xfrm>
-            <a:off x="727685" y="476672"/>
+            <a:off x="1043608" y="1628800"/>
             <a:ext cx="648072" cy="792088"/>
           </a:xfrm>
           <a:prstGeom prst="roundRect">
@@ -4994,8 +5288,8 @@
         </p:nvSpPr>
         <p:spPr>
           <a:xfrm>
-            <a:off x="2431333" y="261002"/>
-            <a:ext cx="1192798" cy="792088"/>
+            <a:off x="2443098" y="1784783"/>
+            <a:ext cx="1080120" cy="792088"/>
           </a:xfrm>
           <a:prstGeom prst="roundRect">
             <a:avLst/>
@@ -5023,8 +5317,8 @@
           <a:p>
             <a:pPr algn="ctr"/>
             <a:r>
-              <a:rPr lang="en-US" altLang="zh-CN" dirty="0" smtClean="0"/>
-              <a:t>Sig Gen 1</a:t>
+              <a:rPr lang="en-US" altLang="zh-CN" dirty="0" err="1" smtClean="0"/>
+              <a:t>AudioInterface</a:t>
             </a:r>
             <a:endParaRPr lang="zh-CN" altLang="en-US" dirty="0"/>
           </a:p>
@@ -5038,7 +5332,7 @@
         </p:nvSpPr>
         <p:spPr>
           <a:xfrm>
-            <a:off x="4782953" y="2677378"/>
+            <a:off x="4283968" y="992695"/>
             <a:ext cx="1296144" cy="792088"/>
           </a:xfrm>
           <a:prstGeom prst="roundRect">
@@ -5071,6 +5365,159 @@
               <a:t>UUT-A</a:t>
             </a:r>
             <a:endParaRPr lang="zh-CN" altLang="en-US" dirty="0"/>
+          </a:p>
+        </p:txBody>
+      </p:sp>
+      <p:sp>
+        <p:nvSpPr>
+          <p:cNvPr id="5" name="圆角矩形 4"/>
+          <p:cNvSpPr/>
+          <p:nvPr/>
+        </p:nvSpPr>
+        <p:spPr>
+          <a:xfrm>
+            <a:off x="4283968" y="2420888"/>
+            <a:ext cx="1296144" cy="792088"/>
+          </a:xfrm>
+          <a:prstGeom prst="roundRect">
+            <a:avLst/>
+          </a:prstGeom>
+        </p:spPr>
+        <p:style>
+          <a:lnRef idx="2">
+            <a:schemeClr val="accent1">
+              <a:shade val="50000"/>
+            </a:schemeClr>
+          </a:lnRef>
+          <a:fillRef idx="1">
+            <a:schemeClr val="accent1"/>
+          </a:fillRef>
+          <a:effectRef idx="0">
+            <a:schemeClr val="accent1"/>
+          </a:effectRef>
+          <a:fontRef idx="minor">
+            <a:schemeClr val="lt1"/>
+          </a:fontRef>
+        </p:style>
+        <p:txBody>
+          <a:bodyPr rtlCol="0" anchor="ctr"/>
+          <a:lstStyle/>
+          <a:p>
+            <a:pPr algn="ctr"/>
+            <a:r>
+              <a:rPr lang="en-US" altLang="zh-CN" dirty="0" smtClean="0"/>
+              <a:t>UUT-B</a:t>
+            </a:r>
+            <a:endParaRPr lang="zh-CN" altLang="en-US" dirty="0"/>
+          </a:p>
+        </p:txBody>
+      </p:sp>
+      <p:sp>
+        <p:nvSpPr>
+          <p:cNvPr id="6" name="下箭头 5"/>
+          <p:cNvSpPr/>
+          <p:nvPr/>
+        </p:nvSpPr>
+        <p:spPr>
+          <a:xfrm>
+            <a:off x="4788024" y="1916832"/>
+            <a:ext cx="216024" cy="432048"/>
+          </a:xfrm>
+          <a:prstGeom prst="downArrow">
+            <a:avLst/>
+          </a:prstGeom>
+        </p:spPr>
+        <p:style>
+          <a:lnRef idx="2">
+            <a:schemeClr val="accent1">
+              <a:shade val="50000"/>
+            </a:schemeClr>
+          </a:lnRef>
+          <a:fillRef idx="1">
+            <a:schemeClr val="accent1"/>
+          </a:fillRef>
+          <a:effectRef idx="0">
+            <a:schemeClr val="accent1"/>
+          </a:effectRef>
+          <a:fontRef idx="minor">
+            <a:schemeClr val="lt1"/>
+          </a:fontRef>
+        </p:style>
+        <p:txBody>
+          <a:bodyPr rtlCol="0" anchor="ctr"/>
+          <a:lstStyle/>
+          <a:p>
+            <a:pPr algn="ctr"/>
+            <a:endParaRPr lang="zh-CN" altLang="en-US"/>
+          </a:p>
+        </p:txBody>
+      </p:sp>
+      <p:sp>
+        <p:nvSpPr>
+          <p:cNvPr id="7" name="下箭头 6"/>
+          <p:cNvSpPr/>
+          <p:nvPr/>
+        </p:nvSpPr>
+        <p:spPr>
+          <a:xfrm flipV="1">
+            <a:off x="4788024" y="1803850"/>
+            <a:ext cx="216024" cy="432048"/>
+          </a:xfrm>
+          <a:prstGeom prst="downArrow">
+            <a:avLst/>
+          </a:prstGeom>
+        </p:spPr>
+        <p:style>
+          <a:lnRef idx="2">
+            <a:schemeClr val="accent1">
+              <a:shade val="50000"/>
+            </a:schemeClr>
+          </a:lnRef>
+          <a:fillRef idx="1">
+            <a:schemeClr val="accent1"/>
+          </a:fillRef>
+          <a:effectRef idx="0">
+            <a:schemeClr val="accent1"/>
+          </a:effectRef>
+          <a:fontRef idx="minor">
+            <a:schemeClr val="lt1"/>
+          </a:fontRef>
+        </p:style>
+        <p:txBody>
+          <a:bodyPr rtlCol="0" anchor="ctr"/>
+          <a:lstStyle/>
+          <a:p>
+            <a:pPr algn="ctr"/>
+            <a:endParaRPr lang="zh-CN" altLang="en-US"/>
+          </a:p>
+        </p:txBody>
+      </p:sp>
+      <p:sp>
+        <p:nvSpPr>
+          <p:cNvPr id="8" name="TextBox 7"/>
+          <p:cNvSpPr txBox="1"/>
+          <p:nvPr/>
+        </p:nvSpPr>
+        <p:spPr>
+          <a:xfrm>
+            <a:off x="5220072" y="2019874"/>
+            <a:ext cx="720080" cy="369332"/>
+          </a:xfrm>
+          <a:prstGeom prst="rect">
+            <a:avLst/>
+          </a:prstGeom>
+          <a:noFill/>
+        </p:spPr>
+        <p:txBody>
+          <a:bodyPr wrap="square" rtlCol="0">
+            <a:spAutoFit/>
+          </a:bodyPr>
+          <a:lstStyle/>
+          <a:p>
+            <a:r>
+              <a:rPr lang="zh-CN" altLang="en-US" dirty="0"/>
+              <a:t>空口</a:t>
+            </a:r>
           </a:p>
         </p:txBody>
       </p:sp>
@@ -5102,8 +5549,12 @@
           <a:lstStyle/>
           <a:p>
             <a:r>
+              <a:rPr lang="en-US" altLang="zh-CN" dirty="0"/>
+              <a:t>PESQ</a:t>
+            </a:r>
+            <a:r>
               <a:rPr lang="en-US" altLang="zh-CN" dirty="0" smtClean="0"/>
-              <a:t>PST </a:t>
+              <a:t> </a:t>
             </a:r>
             <a:r>
               <a:rPr lang="zh-CN" altLang="en-US" dirty="0" smtClean="0"/>
@@ -5113,6 +5564,142 @@
           </a:p>
         </p:txBody>
       </p:sp>
+      <p:cxnSp>
+        <p:nvCxnSpPr>
+          <p:cNvPr id="11" name="直接箭头连接符 10"/>
+          <p:cNvCxnSpPr/>
+          <p:nvPr/>
+        </p:nvCxnSpPr>
+        <p:spPr>
+          <a:xfrm>
+            <a:off x="1691680" y="1916832"/>
+            <a:ext cx="751418" cy="0"/>
+          </a:xfrm>
+          <a:prstGeom prst="straightConnector1">
+            <a:avLst/>
+          </a:prstGeom>
+          <a:ln>
+            <a:tailEnd type="arrow"/>
+          </a:ln>
+        </p:spPr>
+        <p:style>
+          <a:lnRef idx="1">
+            <a:schemeClr val="accent1"/>
+          </a:lnRef>
+          <a:fillRef idx="0">
+            <a:schemeClr val="accent1"/>
+          </a:fillRef>
+          <a:effectRef idx="0">
+            <a:schemeClr val="accent1"/>
+          </a:effectRef>
+          <a:fontRef idx="minor">
+            <a:schemeClr val="tx1"/>
+          </a:fontRef>
+        </p:style>
+      </p:cxnSp>
+      <p:cxnSp>
+        <p:nvCxnSpPr>
+          <p:cNvPr id="13" name="直接箭头连接符 12"/>
+          <p:cNvCxnSpPr/>
+          <p:nvPr/>
+        </p:nvCxnSpPr>
+        <p:spPr>
+          <a:xfrm flipV="1">
+            <a:off x="3523218" y="1196752"/>
+            <a:ext cx="760750" cy="588031"/>
+          </a:xfrm>
+          <a:prstGeom prst="straightConnector1">
+            <a:avLst/>
+          </a:prstGeom>
+          <a:ln>
+            <a:tailEnd type="arrow"/>
+          </a:ln>
+        </p:spPr>
+        <p:style>
+          <a:lnRef idx="1">
+            <a:schemeClr val="accent1"/>
+          </a:lnRef>
+          <a:fillRef idx="0">
+            <a:schemeClr val="accent1"/>
+          </a:fillRef>
+          <a:effectRef idx="0">
+            <a:schemeClr val="accent1"/>
+          </a:effectRef>
+          <a:fontRef idx="minor">
+            <a:schemeClr val="tx1"/>
+          </a:fontRef>
+        </p:style>
+      </p:cxnSp>
+      <p:cxnSp>
+        <p:nvCxnSpPr>
+          <p:cNvPr id="17" name="直接箭头连接符 16"/>
+          <p:cNvCxnSpPr>
+            <a:stCxn id="5" idx="1"/>
+          </p:cNvCxnSpPr>
+          <p:nvPr/>
+        </p:nvCxnSpPr>
+        <p:spPr>
+          <a:xfrm flipH="1" flipV="1">
+            <a:off x="3523218" y="2420888"/>
+            <a:ext cx="760750" cy="396044"/>
+          </a:xfrm>
+          <a:prstGeom prst="straightConnector1">
+            <a:avLst/>
+          </a:prstGeom>
+          <a:ln>
+            <a:tailEnd type="arrow"/>
+          </a:ln>
+        </p:spPr>
+        <p:style>
+          <a:lnRef idx="1">
+            <a:schemeClr val="accent1"/>
+          </a:lnRef>
+          <a:fillRef idx="0">
+            <a:schemeClr val="accent1"/>
+          </a:fillRef>
+          <a:effectRef idx="0">
+            <a:schemeClr val="accent1"/>
+          </a:effectRef>
+          <a:fontRef idx="minor">
+            <a:schemeClr val="tx1"/>
+          </a:fontRef>
+        </p:style>
+      </p:cxnSp>
+      <p:cxnSp>
+        <p:nvCxnSpPr>
+          <p:cNvPr id="19" name="直接箭头连接符 18"/>
+          <p:cNvCxnSpPr>
+            <a:stCxn id="3" idx="1"/>
+          </p:cNvCxnSpPr>
+          <p:nvPr/>
+        </p:nvCxnSpPr>
+        <p:spPr>
+          <a:xfrm flipH="1" flipV="1">
+            <a:off x="1691680" y="2132856"/>
+            <a:ext cx="751418" cy="47971"/>
+          </a:xfrm>
+          <a:prstGeom prst="straightConnector1">
+            <a:avLst/>
+          </a:prstGeom>
+          <a:ln>
+            <a:tailEnd type="arrow"/>
+          </a:ln>
+        </p:spPr>
+        <p:style>
+          <a:lnRef idx="1">
+            <a:schemeClr val="accent1"/>
+          </a:lnRef>
+          <a:fillRef idx="0">
+            <a:schemeClr val="accent1"/>
+          </a:fillRef>
+          <a:effectRef idx="0">
+            <a:schemeClr val="accent1"/>
+          </a:effectRef>
+          <a:fontRef idx="minor">
+            <a:schemeClr val="tx1"/>
+          </a:fontRef>
+        </p:style>
+      </p:cxnSp>
       <p:sp>
         <p:nvSpPr>
           <p:cNvPr id="22" name="圆角矩形 21"/>
@@ -5165,8 +5752,8 @@
         </p:nvSpPr>
         <p:spPr>
           <a:xfrm>
-            <a:off x="539552" y="3789040"/>
-            <a:ext cx="2016224" cy="1008112"/>
+            <a:off x="539552" y="4293096"/>
+            <a:ext cx="2016224" cy="504056"/>
           </a:xfrm>
           <a:prstGeom prst="roundRect">
             <a:avLst/>
@@ -5198,24 +5785,6 @@
               <a:t>Support Libs</a:t>
             </a:r>
           </a:p>
-          <a:p>
-            <a:pPr algn="ctr"/>
-            <a:r>
-              <a:rPr lang="en-US" altLang="zh-CN" dirty="0" err="1" smtClean="0"/>
-              <a:t>Equipemtn</a:t>
-            </a:r>
-            <a:r>
-              <a:rPr lang="en-US" altLang="zh-CN" dirty="0" smtClean="0"/>
-              <a:t> GPIB</a:t>
-            </a:r>
-          </a:p>
-          <a:p>
-            <a:pPr algn="ctr"/>
-            <a:r>
-              <a:rPr lang="en-US" altLang="zh-CN" dirty="0" smtClean="0"/>
-              <a:t>Radio Drivers</a:t>
-            </a:r>
-          </a:p>
         </p:txBody>
       </p:sp>
       <p:sp>
@@ -5226,7 +5795,7 @@
         </p:nvSpPr>
         <p:spPr>
           <a:xfrm>
-            <a:off x="523730" y="3295126"/>
+            <a:off x="539552" y="3789040"/>
             <a:ext cx="2016224" cy="504056"/>
           </a:xfrm>
           <a:prstGeom prst="roundRect">
@@ -5271,7 +5840,7 @@
         <p:spPr>
           <a:xfrm>
             <a:off x="3635896" y="3789040"/>
-            <a:ext cx="3888432" cy="923330"/>
+            <a:ext cx="3888432" cy="3139321"/>
           </a:xfrm>
           <a:prstGeom prst="rect">
             <a:avLst/>
@@ -5291,490 +5860,118 @@
           <a:p>
             <a:r>
               <a:rPr lang="en-US" altLang="zh-CN" dirty="0" err="1" smtClean="0"/>
-              <a:t>TestCaseManger</a:t>
-            </a:r>
-            <a:endParaRPr lang="en-US" altLang="zh-CN" dirty="0"/>
-          </a:p>
-          <a:p>
+              <a:t>TestCaseManger.execute</a:t>
+            </a:r>
+            <a:r>
+              <a:rPr lang="zh-CN" altLang="en-US" dirty="0" smtClean="0"/>
+              <a:t>（）</a:t>
+            </a:r>
+            <a:endParaRPr lang="en-US" altLang="zh-CN" dirty="0" smtClean="0"/>
+          </a:p>
+          <a:p>
+            <a:r>
+              <a:rPr lang="en-US" altLang="zh-CN" dirty="0" smtClean="0"/>
+              <a:t>{</a:t>
+            </a:r>
+          </a:p>
+          <a:p>
+            <a:r>
+              <a:rPr lang="en-US" altLang="zh-CN" dirty="0" smtClean="0"/>
+              <a:t>	</a:t>
+            </a:r>
             <a:r>
               <a:rPr lang="en-US" altLang="zh-CN" dirty="0" err="1" smtClean="0"/>
-              <a:t>RadioManager</a:t>
-            </a:r>
+              <a:t>radio.pressPtt</a:t>
+            </a:r>
+            <a:r>
+              <a:rPr lang="en-US" altLang="zh-CN" dirty="0" smtClean="0"/>
+              <a:t>()</a:t>
+            </a:r>
+          </a:p>
+          <a:p>
             <a:endParaRPr lang="en-US" altLang="zh-CN" dirty="0" smtClean="0"/>
           </a:p>
           <a:p>
             <a:r>
+              <a:rPr lang="en-US" altLang="zh-CN" dirty="0" smtClean="0"/>
+              <a:t>	</a:t>
+            </a:r>
+            <a:r>
               <a:rPr lang="en-US" altLang="zh-CN" dirty="0" err="1" smtClean="0"/>
-              <a:t>EquipmentManager</a:t>
+              <a:t>playAudio</a:t>
+            </a:r>
+            <a:r>
+              <a:rPr lang="en-US" altLang="zh-CN" dirty="0" smtClean="0"/>
+              <a:t>()</a:t>
             </a:r>
             <a:endParaRPr lang="en-US" altLang="zh-CN" dirty="0" smtClean="0"/>
           </a:p>
-        </p:txBody>
-      </p:sp>
-      <p:sp>
-        <p:nvSpPr>
-          <p:cNvPr id="20" name="圆角矩形 19"/>
-          <p:cNvSpPr/>
-          <p:nvPr/>
-        </p:nvSpPr>
-        <p:spPr>
-          <a:xfrm>
-            <a:off x="2453442" y="1166272"/>
-            <a:ext cx="1192798" cy="792088"/>
-          </a:xfrm>
-          <a:prstGeom prst="roundRect">
-            <a:avLst/>
-          </a:prstGeom>
-        </p:spPr>
-        <p:style>
-          <a:lnRef idx="2">
-            <a:schemeClr val="accent1">
-              <a:shade val="50000"/>
-            </a:schemeClr>
-          </a:lnRef>
-          <a:fillRef idx="1">
-            <a:schemeClr val="accent1"/>
-          </a:fillRef>
-          <a:effectRef idx="0">
-            <a:schemeClr val="accent1"/>
-          </a:effectRef>
-          <a:fontRef idx="minor">
-            <a:schemeClr val="lt1"/>
-          </a:fontRef>
-        </p:style>
-        <p:txBody>
-          <a:bodyPr rtlCol="0" anchor="ctr"/>
-          <a:lstStyle/>
-          <a:p>
-            <a:pPr algn="ctr"/>
+          <a:p>
+            <a:r>
+              <a:rPr lang="en-US" altLang="zh-CN" dirty="0"/>
+              <a:t> </a:t>
+            </a:r>
             <a:r>
               <a:rPr lang="en-US" altLang="zh-CN" dirty="0" smtClean="0"/>
-              <a:t>Sig Gen 1</a:t>
-            </a:r>
-            <a:endParaRPr lang="zh-CN" altLang="en-US" dirty="0"/>
-          </a:p>
-        </p:txBody>
-      </p:sp>
-      <p:sp>
-        <p:nvSpPr>
-          <p:cNvPr id="21" name="圆角矩形 20"/>
-          <p:cNvSpPr/>
-          <p:nvPr/>
-        </p:nvSpPr>
-        <p:spPr>
-          <a:xfrm>
-            <a:off x="2426059" y="2132856"/>
-            <a:ext cx="1192798" cy="792088"/>
-          </a:xfrm>
-          <a:prstGeom prst="roundRect">
-            <a:avLst/>
-          </a:prstGeom>
-        </p:spPr>
-        <p:style>
-          <a:lnRef idx="2">
-            <a:schemeClr val="accent1">
-              <a:shade val="50000"/>
-            </a:schemeClr>
-          </a:lnRef>
-          <a:fillRef idx="1">
-            <a:schemeClr val="accent1"/>
-          </a:fillRef>
-          <a:effectRef idx="0">
-            <a:schemeClr val="accent1"/>
-          </a:effectRef>
-          <a:fontRef idx="minor">
-            <a:schemeClr val="lt1"/>
-          </a:fontRef>
-        </p:style>
-        <p:txBody>
-          <a:bodyPr rtlCol="0" anchor="ctr"/>
-          <a:lstStyle/>
-          <a:p>
-            <a:pPr algn="ctr"/>
+              <a:t>   	</a:t>
+            </a:r>
+            <a:r>
+              <a:rPr lang="en-US" altLang="zh-CN" dirty="0" err="1" smtClean="0"/>
+              <a:t>recordAudio</a:t>
+            </a:r>
             <a:r>
               <a:rPr lang="en-US" altLang="zh-CN" dirty="0" smtClean="0"/>
-              <a:t>Sig Gen 1</a:t>
-            </a:r>
-            <a:endParaRPr lang="zh-CN" altLang="en-US" dirty="0"/>
-          </a:p>
-        </p:txBody>
-      </p:sp>
-      <p:sp>
-        <p:nvSpPr>
-          <p:cNvPr id="25" name="圆角矩形 24"/>
-          <p:cNvSpPr/>
-          <p:nvPr/>
-        </p:nvSpPr>
-        <p:spPr>
-          <a:xfrm>
-            <a:off x="6732240" y="467544"/>
-            <a:ext cx="1296144" cy="792088"/>
-          </a:xfrm>
-          <a:prstGeom prst="roundRect">
-            <a:avLst/>
-          </a:prstGeom>
-        </p:spPr>
-        <p:style>
-          <a:lnRef idx="2">
-            <a:schemeClr val="accent1">
-              <a:shade val="50000"/>
-            </a:schemeClr>
-          </a:lnRef>
-          <a:fillRef idx="1">
-            <a:schemeClr val="accent1"/>
-          </a:fillRef>
-          <a:effectRef idx="0">
-            <a:schemeClr val="accent1"/>
-          </a:effectRef>
-          <a:fontRef idx="minor">
-            <a:schemeClr val="lt1"/>
-          </a:fontRef>
-        </p:style>
-        <p:txBody>
-          <a:bodyPr rtlCol="0" anchor="ctr"/>
-          <a:lstStyle/>
-          <a:p>
-            <a:pPr algn="ctr"/>
+              <a:t>()</a:t>
+            </a:r>
+          </a:p>
+          <a:p>
+            <a:endParaRPr lang="en-US" altLang="zh-CN" dirty="0" smtClean="0"/>
+          </a:p>
+          <a:p>
             <a:r>
               <a:rPr lang="en-US" altLang="zh-CN" dirty="0" smtClean="0"/>
-              <a:t>power </a:t>
-            </a:r>
-          </a:p>
-          <a:p>
-            <a:pPr algn="ctr"/>
+              <a:t>	</a:t>
+            </a:r>
+            <a:r>
+              <a:rPr lang="en-US" altLang="zh-CN" dirty="0" err="1" smtClean="0"/>
+              <a:t>radio.releasePtt</a:t>
+            </a:r>
+            <a:r>
+              <a:rPr lang="en-US" altLang="zh-CN" dirty="0" smtClean="0"/>
+              <a:t>()</a:t>
+            </a:r>
+            <a:endParaRPr lang="en-US" altLang="zh-CN" dirty="0" smtClean="0"/>
+          </a:p>
+          <a:p>
+            <a:endParaRPr lang="en-US" altLang="zh-CN" dirty="0" smtClean="0"/>
+          </a:p>
+          <a:p>
             <a:r>
               <a:rPr lang="en-US" altLang="zh-CN" dirty="0"/>
-              <a:t>meter</a:t>
-            </a:r>
-            <a:endParaRPr lang="zh-CN" altLang="en-US" dirty="0"/>
-          </a:p>
-        </p:txBody>
-      </p:sp>
-      <p:sp>
-        <p:nvSpPr>
-          <p:cNvPr id="12" name="圆角矩形 11"/>
-          <p:cNvSpPr/>
-          <p:nvPr/>
-        </p:nvSpPr>
-        <p:spPr>
-          <a:xfrm>
-            <a:off x="4788024" y="1259632"/>
-            <a:ext cx="1440160" cy="729208"/>
-          </a:xfrm>
-          <a:prstGeom prst="roundRect">
-            <a:avLst/>
-          </a:prstGeom>
-        </p:spPr>
-        <p:style>
-          <a:lnRef idx="2">
-            <a:schemeClr val="accent1">
-              <a:shade val="50000"/>
-            </a:schemeClr>
-          </a:lnRef>
-          <a:fillRef idx="1">
-            <a:schemeClr val="accent1"/>
-          </a:fillRef>
-          <a:effectRef idx="0">
-            <a:schemeClr val="accent1"/>
-          </a:effectRef>
-          <a:fontRef idx="minor">
-            <a:schemeClr val="lt1"/>
-          </a:fontRef>
-        </p:style>
-        <p:txBody>
-          <a:bodyPr rtlCol="0" anchor="ctr"/>
-          <a:lstStyle/>
-          <a:p>
-            <a:pPr algn="ctr"/>
-            <a:r>
-              <a:rPr lang="zh-CN" altLang="en-US" dirty="0" smtClean="0"/>
-              <a:t>耦合器</a:t>
-            </a:r>
-            <a:endParaRPr lang="zh-CN" altLang="en-US" dirty="0"/>
-          </a:p>
-        </p:txBody>
-      </p:sp>
-      <p:cxnSp>
-        <p:nvCxnSpPr>
-          <p:cNvPr id="15" name="直接箭头连接符 14"/>
-          <p:cNvCxnSpPr/>
-          <p:nvPr/>
-        </p:nvCxnSpPr>
-        <p:spPr>
-          <a:xfrm flipV="1">
-            <a:off x="5868144" y="1988840"/>
-            <a:ext cx="0" cy="688538"/>
-          </a:xfrm>
-          <a:prstGeom prst="straightConnector1">
-            <a:avLst/>
-          </a:prstGeom>
-          <a:ln>
-            <a:tailEnd type="arrow"/>
-          </a:ln>
-        </p:spPr>
-        <p:style>
-          <a:lnRef idx="1">
-            <a:schemeClr val="accent1"/>
-          </a:lnRef>
-          <a:fillRef idx="0">
-            <a:schemeClr val="accent1"/>
-          </a:fillRef>
-          <a:effectRef idx="0">
-            <a:schemeClr val="accent1"/>
-          </a:effectRef>
-          <a:fontRef idx="minor">
-            <a:schemeClr val="tx1"/>
-          </a:fontRef>
-        </p:style>
-      </p:cxnSp>
-      <p:cxnSp>
-        <p:nvCxnSpPr>
-          <p:cNvPr id="18" name="肘形连接符 17"/>
-          <p:cNvCxnSpPr>
-            <a:stCxn id="12" idx="0"/>
-            <a:endCxn id="25" idx="1"/>
-          </p:cNvCxnSpPr>
-          <p:nvPr/>
-        </p:nvCxnSpPr>
-        <p:spPr>
-          <a:xfrm rot="5400000" flipH="1" flipV="1">
-            <a:off x="5922150" y="449542"/>
-            <a:ext cx="396044" cy="1224136"/>
-          </a:xfrm>
-          <a:prstGeom prst="bentConnector2">
-            <a:avLst/>
-          </a:prstGeom>
-          <a:ln>
-            <a:tailEnd type="arrow"/>
-          </a:ln>
-        </p:spPr>
-        <p:style>
-          <a:lnRef idx="1">
-            <a:schemeClr val="accent1"/>
-          </a:lnRef>
-          <a:fillRef idx="0">
-            <a:schemeClr val="accent1"/>
-          </a:fillRef>
-          <a:effectRef idx="0">
-            <a:schemeClr val="accent1"/>
-          </a:effectRef>
-          <a:fontRef idx="minor">
-            <a:schemeClr val="tx1"/>
-          </a:fontRef>
-        </p:style>
-      </p:cxnSp>
-      <p:cxnSp>
-        <p:nvCxnSpPr>
-          <p:cNvPr id="28" name="直接箭头连接符 27"/>
-          <p:cNvCxnSpPr>
-            <a:stCxn id="3" idx="3"/>
-            <a:endCxn id="12" idx="1"/>
-          </p:cNvCxnSpPr>
-          <p:nvPr/>
-        </p:nvCxnSpPr>
-        <p:spPr>
-          <a:xfrm>
-            <a:off x="3624131" y="657046"/>
-            <a:ext cx="1163893" cy="967190"/>
-          </a:xfrm>
-          <a:prstGeom prst="straightConnector1">
-            <a:avLst/>
-          </a:prstGeom>
-          <a:ln>
-            <a:tailEnd type="arrow"/>
-          </a:ln>
-        </p:spPr>
-        <p:style>
-          <a:lnRef idx="1">
-            <a:schemeClr val="accent1"/>
-          </a:lnRef>
-          <a:fillRef idx="0">
-            <a:schemeClr val="accent1"/>
-          </a:fillRef>
-          <a:effectRef idx="0">
-            <a:schemeClr val="accent1"/>
-          </a:effectRef>
-          <a:fontRef idx="minor">
-            <a:schemeClr val="tx1"/>
-          </a:fontRef>
-        </p:style>
-      </p:cxnSp>
-      <p:cxnSp>
-        <p:nvCxnSpPr>
-          <p:cNvPr id="30" name="直接箭头连接符 29"/>
-          <p:cNvCxnSpPr>
-            <a:stCxn id="20" idx="3"/>
-            <a:endCxn id="12" idx="1"/>
-          </p:cNvCxnSpPr>
-          <p:nvPr/>
-        </p:nvCxnSpPr>
-        <p:spPr>
-          <a:xfrm>
-            <a:off x="3646240" y="1562316"/>
-            <a:ext cx="1141784" cy="61920"/>
-          </a:xfrm>
-          <a:prstGeom prst="straightConnector1">
-            <a:avLst/>
-          </a:prstGeom>
-          <a:ln>
-            <a:tailEnd type="arrow"/>
-          </a:ln>
-        </p:spPr>
-        <p:style>
-          <a:lnRef idx="1">
-            <a:schemeClr val="accent1"/>
-          </a:lnRef>
-          <a:fillRef idx="0">
-            <a:schemeClr val="accent1"/>
-          </a:fillRef>
-          <a:effectRef idx="0">
-            <a:schemeClr val="accent1"/>
-          </a:effectRef>
-          <a:fontRef idx="minor">
-            <a:schemeClr val="tx1"/>
-          </a:fontRef>
-        </p:style>
-      </p:cxnSp>
-      <p:cxnSp>
-        <p:nvCxnSpPr>
-          <p:cNvPr id="32" name="直接箭头连接符 31"/>
-          <p:cNvCxnSpPr>
-            <a:stCxn id="21" idx="3"/>
-            <a:endCxn id="12" idx="1"/>
-          </p:cNvCxnSpPr>
-          <p:nvPr/>
-        </p:nvCxnSpPr>
-        <p:spPr>
-          <a:xfrm flipV="1">
-            <a:off x="3618857" y="1624236"/>
-            <a:ext cx="1169167" cy="904664"/>
-          </a:xfrm>
-          <a:prstGeom prst="straightConnector1">
-            <a:avLst/>
-          </a:prstGeom>
-          <a:ln>
-            <a:tailEnd type="arrow"/>
-          </a:ln>
-        </p:spPr>
-        <p:style>
-          <a:lnRef idx="1">
-            <a:schemeClr val="accent1"/>
-          </a:lnRef>
-          <a:fillRef idx="0">
-            <a:schemeClr val="accent1"/>
-          </a:fillRef>
-          <a:effectRef idx="0">
-            <a:schemeClr val="accent1"/>
-          </a:effectRef>
-          <a:fontRef idx="minor">
-            <a:schemeClr val="tx1"/>
-          </a:fontRef>
-        </p:style>
-      </p:cxnSp>
-      <p:cxnSp>
-        <p:nvCxnSpPr>
-          <p:cNvPr id="34" name="直接箭头连接符 33"/>
-          <p:cNvCxnSpPr/>
-          <p:nvPr/>
-        </p:nvCxnSpPr>
-        <p:spPr>
-          <a:xfrm>
-            <a:off x="5076056" y="1988840"/>
-            <a:ext cx="0" cy="688538"/>
-          </a:xfrm>
-          <a:prstGeom prst="straightConnector1">
-            <a:avLst/>
-          </a:prstGeom>
-          <a:ln>
-            <a:tailEnd type="arrow"/>
-          </a:ln>
-        </p:spPr>
-        <p:style>
-          <a:lnRef idx="1">
-            <a:schemeClr val="accent1"/>
-          </a:lnRef>
-          <a:fillRef idx="0">
-            <a:schemeClr val="accent1"/>
-          </a:fillRef>
-          <a:effectRef idx="0">
-            <a:schemeClr val="accent1"/>
-          </a:effectRef>
-          <a:fontRef idx="minor">
-            <a:schemeClr val="tx1"/>
-          </a:fontRef>
-        </p:style>
-      </p:cxnSp>
-      <p:cxnSp>
-        <p:nvCxnSpPr>
-          <p:cNvPr id="36" name="肘形连接符 35"/>
-          <p:cNvCxnSpPr>
-            <a:stCxn id="4" idx="1"/>
-            <a:endCxn id="2" idx="2"/>
-          </p:cNvCxnSpPr>
-          <p:nvPr/>
-        </p:nvCxnSpPr>
-        <p:spPr>
-          <a:xfrm rot="10800000">
-            <a:off x="1051721" y="1268760"/>
-            <a:ext cx="3731232" cy="1804662"/>
-          </a:xfrm>
-          <a:prstGeom prst="bentConnector2">
-            <a:avLst/>
-          </a:prstGeom>
-          <a:ln>
-            <a:headEnd type="arrow"/>
-            <a:tailEnd type="arrow"/>
-          </a:ln>
-        </p:spPr>
-        <p:style>
-          <a:lnRef idx="1">
-            <a:schemeClr val="accent1"/>
-          </a:lnRef>
-          <a:fillRef idx="0">
-            <a:schemeClr val="accent1"/>
-          </a:fillRef>
-          <a:effectRef idx="0">
-            <a:schemeClr val="accent1"/>
-          </a:effectRef>
-          <a:fontRef idx="minor">
-            <a:schemeClr val="tx1"/>
-          </a:fontRef>
-        </p:style>
-      </p:cxnSp>
-      <p:sp>
-        <p:nvSpPr>
-          <p:cNvPr id="44" name="TextBox 43"/>
-          <p:cNvSpPr txBox="1"/>
-          <p:nvPr/>
-        </p:nvSpPr>
-        <p:spPr>
-          <a:xfrm>
-            <a:off x="1187624" y="1412776"/>
-            <a:ext cx="576064" cy="369332"/>
-          </a:xfrm>
-          <a:prstGeom prst="rect">
-            <a:avLst/>
-          </a:prstGeom>
-          <a:noFill/>
-        </p:spPr>
-        <p:txBody>
-          <a:bodyPr wrap="square" rtlCol="0">
-            <a:spAutoFit/>
-          </a:bodyPr>
-          <a:lstStyle/>
-          <a:p>
+              <a:t>	</a:t>
+            </a:r>
             <a:r>
               <a:rPr lang="en-US" altLang="zh-CN" dirty="0" err="1" smtClean="0"/>
-              <a:t>usb</a:t>
-            </a:r>
-            <a:endParaRPr lang="zh-CN" altLang="en-US" dirty="0"/>
+              <a:t>checkAudio</a:t>
+            </a:r>
+            <a:r>
+              <a:rPr lang="en-US" altLang="zh-CN" dirty="0" smtClean="0"/>
+              <a:t>()</a:t>
+            </a:r>
+            <a:endParaRPr lang="en-US" altLang="zh-CN" dirty="0" smtClean="0"/>
+          </a:p>
+          <a:p>
+            <a:r>
+              <a:rPr lang="en-US" altLang="zh-CN" dirty="0" smtClean="0"/>
+              <a:t>}</a:t>
+            </a:r>
           </a:p>
         </p:txBody>
       </p:sp>
     </p:spTree>
     <p:extLst>
       <p:ext uri="{BB962C8B-B14F-4D97-AF65-F5344CB8AC3E}">
-        <p14:creationId xmlns:p14="http://schemas.microsoft.com/office/powerpoint/2010/main" xmlns="" val="1050729204"/>
+        <p14:creationId xmlns="" xmlns:p14="http://schemas.microsoft.com/office/powerpoint/2010/main" val="748711177"/>
       </p:ext>
     </p:extLst>
   </p:cSld>
@@ -5969,8 +6166,13 @@
             </a:r>
             <a:r>
               <a:rPr lang="en-US" altLang="zh-CN" dirty="0" smtClean="0"/>
-              <a:t>-xml</a:t>
-            </a:r>
+              <a:t>(</a:t>
+            </a:r>
+            <a:r>
+              <a:rPr lang="en-US" altLang="zh-CN" dirty="0" smtClean="0"/>
+              <a:t>xml)</a:t>
+            </a:r>
+            <a:endParaRPr lang="en-US" altLang="zh-CN" dirty="0" smtClean="0"/>
           </a:p>
           <a:p>
             <a:pPr algn="ctr"/>
@@ -6189,7 +6391,7 @@
     </p:spTree>
     <p:extLst>
       <p:ext uri="{BB962C8B-B14F-4D97-AF65-F5344CB8AC3E}">
-        <p14:creationId xmlns:p14="http://schemas.microsoft.com/office/powerpoint/2010/main" xmlns="" val="2243660944"/>
+        <p14:creationId xmlns="" xmlns:p14="http://schemas.microsoft.com/office/powerpoint/2010/main" val="2243660944"/>
       </p:ext>
     </p:extLst>
   </p:cSld>
